--- a/basics.pptx
+++ b/basics.pptx
@@ -4,6 +4,9 @@
   <p:sldMasterIdLst>
     <p:sldMasterId id="2147483660" r:id="rId1"/>
   </p:sldMasterIdLst>
+  <p:notesMasterIdLst>
+    <p:notesMasterId r:id="rId20"/>
+  </p:notesMasterIdLst>
   <p:sldIdLst>
     <p:sldId id="256" r:id="rId2"/>
     <p:sldId id="257" r:id="rId3"/>
@@ -18,6 +21,11 @@
     <p:sldId id="266" r:id="rId12"/>
     <p:sldId id="267" r:id="rId13"/>
     <p:sldId id="268" r:id="rId14"/>
+    <p:sldId id="269" r:id="rId15"/>
+    <p:sldId id="270" r:id="rId16"/>
+    <p:sldId id="271" r:id="rId17"/>
+    <p:sldId id="272" r:id="rId18"/>
+    <p:sldId id="273" r:id="rId19"/>
   </p:sldIdLst>
   <p:sldSz cx="12192000" cy="6858000"/>
   <p:notesSz cx="6858000" cy="9144000"/>
@@ -256,6 +264,518 @@
   <inkml:trace contextRef="#ctx0" brushRef="#br0" timeOffset="195312.97">30480 5415 0,'0'53'15,"0"35"-15,53 124 16,-53-89 0,88 371-1,-53-176 1,54 17 0,-1-53 15,0-17-16,-53-177 1,-17-53-16,0 18 16,-18-35 15,35-1-15,0 19-1,-17-19 1,-1 1-1,1-18 1,0 18 0,-1-18-1,1 0 1,105 17 0,107-70-1,105-141 16,0-17-15,88-19 0,-335 177-1,1 0 1,-36-17 0,-53 52-16</inkml:trace>
   <inkml:trace contextRef="#ctx0" brushRef="#br0" timeOffset="197145.59">30127 5856 0,'0'0'0,"0"-18"15,0 1 1,-17-1-16,17-17 16,-36 0-16,-34-1 15,-18-17-15,17 1 16,-52-19-16,-36 0 16,-106-17-1,-511-35 16,547 105-15,17 0 0,36 71-1,70 0 1,-35 0 15,88-18-31,-71 71 16,-52 0-1,-36 53 1,1 0 0,-19 88-1,107 17 1,-1 1 0,19-18-1,16 17 1,1 54-1,35-107 1,18 36 0,35 0-1,53 0 1,17-17 0,54 158 15,-36-141-16,18 17 1,53 107 0,105-54-1,1-17 1,123 70 0,-212-246-1,54-54 1,34 36-1,107 53 1,52 17 0,-17-35-1,-106-52 1,-36-1 0,-158-70 15,53-18-16,141 0 1,105-18 0,124 18-1,212-106 1,-564 71 0,299-106-1,-229 52 1,17-105-1,124-141 1,-335 282 0,-35-194-1,-18-17 1,-35-142 0,-71 53 15,18 1-16,0 87 1,35 0 0,-36-70-1,1 53 1,0-35 0,-71-54-1,-17 18 1,-18 36-1,-35 52 1,87 107-16,-228-195 16,-53 18-1,52 52 1,71 125 0,-88-19 15,265 142-16,-124-53 1,-88-53 0,141 52-1,-36 37 1,1 16 0,17 1-1,89 35 1,17 0-1,-88-18 1,88 36 0,-17 17-1</inkml:trace>
 </inkml:ink>
+</file>
+
+<file path=ppt/ink/ink2.xml><?xml version="1.0" encoding="utf-8"?>
+<inkml:ink xmlns:inkml="http://www.w3.org/2003/InkML">
+  <inkml:definitions>
+    <inkml:context xml:id="ctx0">
+      <inkml:inkSource xml:id="inkSrc0">
+        <inkml:traceFormat>
+          <inkml:channel name="X" type="integer" max="1920" units="cm"/>
+          <inkml:channel name="Y" type="integer" max="1080" units="cm"/>
+          <inkml:channel name="T" type="integer" max="2.14748E9" units="dev"/>
+        </inkml:traceFormat>
+        <inkml:channelProperties>
+          <inkml:channelProperty channel="X" name="resolution" value="55.81395" units="1/cm"/>
+          <inkml:channelProperty channel="Y" name="resolution" value="55.6701" units="1/cm"/>
+          <inkml:channelProperty channel="T" name="resolution" value="1" units="1/dev"/>
+        </inkml:channelProperties>
+      </inkml:inkSource>
+      <inkml:timestamp xml:id="ts0" timeString="2020-07-16T06:44:33.471"/>
+    </inkml:context>
+    <inkml:brush xml:id="br0">
+      <inkml:brushProperty name="width" value="0.05292" units="cm"/>
+      <inkml:brushProperty name="height" value="0.05292" units="cm"/>
+      <inkml:brushProperty name="color" value="#FF0000"/>
+    </inkml:brush>
+  </inkml:definitions>
+  <inkml:trace contextRef="#ctx0" brushRef="#br0">1905 4039 0,'0'-17'172,"0"-72"-172,0-34 16,0-177-1,0 159-15,0 18 16,-18-1-16,-35 18 16,36 53-16,-18-17 15,-71-107 1,-18-17 31,71 141-32,0 89 110,-105 246-125,69-70 16,-16 35-16,69-36 16,-87 160-1,88-213-15,-36 125 16,36-19 15,35-17-15,0-141-1,0 0 1,0-18 0,0 0-1,0 212 1,0-53 0,0-18-1,35 18 1,-35 0-1,0 0 1,0 53 0,0-194-1,0-53 1,0-18 15,0-53 125,-35-70-140,17-35-16,18-89 16</inkml:trace>
+  <inkml:trace contextRef="#ctx0" brushRef="#br0" timeOffset="817.62">406 5662 0,'141'-35'156,"-18"0"-156,124-54 31,-106 36-15,-88 36-1,-35 17 1,0-18 172,-1 18-188,18-18 15,-17 18-15</inkml:trace>
+  <inkml:trace contextRef="#ctx0" brushRef="#br0" timeOffset="1898.26">1076 6068 0,'0'0'0,"0"-18"15,35 36 126,1 35-126,16-18-15,-34-17 16,53 70 0,-1-18-1,-52-34 1,-1 17 0,1-18-1,-18 0 1,0-53 156,18-87-172,17-89 15,53-89 1,0 36 0,-17 159-1,-18 0 1,-35 88-1,-18-18 1,17 18 15,1 0-31,-1 0 16,36 0 15,-35 0-31,53 0 31,-19 0-15,1 0 0,88-17-1,106 17 1</inkml:trace>
+  <inkml:trace contextRef="#ctx0" brushRef="#br0" timeOffset="4716.29">3545 5768 0,'0'-18'31,"-17"18"-15,-1-17-16,-17-19 15,0 19-15,17-1 16,0 18 0,-35 0 15,0-18-15,-52 1-1,-107 52 1,-88 89 15,159-54-15,-18 1-1,53 17 1,-105 88 0,70-88-1,52 1 1,72-36-1,17-1 1,0 1 0,0 0-1,35 35 1,18-35 0,18 18-1,-36-18 16,35-18-15,54-17 0,105-18-1,89-159 1,70-106 0,-230 160-16,-16 16 15,52-52 1,-141 88-1,-18 0 1,-18 1 0,19-37-1,-36 72 1,17-54 0,-17 1-1,0-1 1,0 1 15,0 17-15,0 17-1,18 36 63,-18 36-62,0 17-16,18 52 16,-1 54-1,-17 106 1,0-107 0,0-69-1,0-36 1,0 17 15,0-52-15,18-1-1,0-17 95,34-105-95,-16-19-15,105-158 16,-71 53 0,-34 140 15,-36 36-31,17 1 31,-17 34-15,18 18 62,-18 18-63,35 176 1,1 17 0,-36-17-1,0-70 1,0-18 0,0-71 15,0-18-31,-18-52 109,18-18-109,0 18 0,-18-18 16,18-70-1,18-107 1,70-17 0,71-17-1,-71 140 1,-17 54 0,17-18 15,-53 52-31,71-52 15,-53 70 17,0 18-17,-18 0 1,36 53 0,-19 36-1,54 246 1,-18-88-1,-17-18 1,-18-141 0,-53-35-1,-35-88 110,17-18-109,18-18-16,0 1 16,0-54-1,71-34 1,52-54-1,-35 88 1,18 1 0,-18 17-1,-17 36 1,-18 34 0,-18 1-1,18 17 1,0 1-1,0 17 17,0 0-17,-18 17 1,18 36 0,35 18-1,-17 52 1,-18-52-16,17 123 15,18-18 1,-35-70 0,-35-53-1,17 0 1,-17 0 0,-1-53-1,-17 17 1,0 1 15,18-18 16,0 0-31,-1-18-1,72-52 1,87-54-1,-141 107-15</inkml:trace>
+  <inkml:trace contextRef="#ctx0" brushRef="#br0" timeOffset="5998.37">7514 5292 0,'18'0'0,"-18"-18"31,17 18-31,1 0 47,17 0-31,-17 0 15,17 0-31,18 0 16,0-53-1,18 0 1,-1-35 15,18 17-15,-17 1-1,-18 35 1,-35 17 0,-18 0 30,0 1-30,0-1 0,0 0-16,0 1 15,-18-1 1,-17 18 0,17 0-1,-35 0 16,-18 53 1,-70 88-17,71-88 1,-1 18 0,36-36-1,0 0 1,17-35-1,-17 53 1,0 0 0,-18 35-1,17-35 1,-17 35 0,53-17-1,0-1 16,0-17-31,0 0 32,0-17-17,18-1 1,0-18 0,-1 19-1,1-36 1,0 0-1,-1 0 17,19 0-17,87-53 1,-70 18 0,-18 17-1,-17 18 16,-18-18-15,17 18 0,1-17 62,-18-1-63,18 18 1,-18-35-16</inkml:trace>
+  <inkml:trace contextRef="#ctx0" brushRef="#br0" timeOffset="11976.45">10213 3246 0,'18'-18'125,"-1"0"-110,89-70-15,17 35 16,36-53-16,353-158 31,-159 105 0,-301 141-15,1-17 0,53-18-1,212 0 1,-54 36 0,71-36-1,36-18 1,-71-17-1,-71 17 17,-106 36-32,1 17 15,511-140 1,-35 34 0,352-87-1,54-54 1,-336 177-1,-317 53 1,35-18 0,-230 53-1,19 0 1,87 0 0,19 0-1,-19 17 1,-34-17-1,193-35 17,35-36-17,36 18 1,-70 53 0,-72 0-1,1 53 1,-176-17-16,-19-19 15,178 54 1,316 35 0,-193 0-1,-36 35 1,89 17 0,17 72-1,-159-89 1,159 70-1,-246-34 17,-36-1-17,-36 36 1,36 35 0,53 53-1,123 123 1,-123-105-1,-18-36 1,-17-88 0,-53-53-1,-18 18 1,0-1 0,194 283-1,-106-123 1,0 17-1,-52-70 17,-107-1-17,-35-34 1,18 52 0,0 0-1,35 159 1,-53-71-1,0-17 1,-70 18 0,-18-19-1,-123 248 1,34-212 0,1-17-1,-35-1 1,17-88-1,0-17 1,0-18 15,-17 141-15,-54-124 0,-17 54-1,-35-1 1,35 18-1,-18-70 1,36-53 0,70-89-1,-88 36 1,18-36 0,-89 36-1,1-35 1,-19-19-1,1 19 17,-159-1-17,159-52 1,70-53 0,1-1-1,-89-17 1,-159 0-1,-158 53 1,17-18 0,-264-35-1,264 53 1,53-53 0,-35 53-1,18-53 1,70-53-1,-159-35 17,142 18-17,-54-19 1,36 89 0,-18-70-1,-17-18 1,52-18-1,124 18 1,-159-53 0,177 70-1,-1 0 1,-87 71 0,-18 0-1,17 0 1,36 0-1,-124 0 1,35 0 15,18 71-15,18 17 0,53-35-1,70-35 1,-176-18-1,176 0 1,0 0 0,54 0-1,-72-36 1,18 19 0,1-54-1,-107 36 1,159-36-1,-17-17 1,70 18 15,17-1-15,1-17 0,35 17-1,18-17 1,-89-18-1,53 18 1,54 35 0,34-17-1,36 17 1,-18 0 0,36 18-1,-195-36 1,141 36-1,54 17 1,52 0 15,-17 1-15,17-1 0,-17-17-1,-35-18 1,-36-35-1,35 70 1,54 0 0,-72-52-1,19 35 1,17-18 0,-18 0-1,-35-18 1,18 1-1,35 34 1,18 1 15,0 35-15,-36-53 0,18-17-1,-35 17 1,-18-53-1,18 53 1,35-18 0,-53 1-1,18-1 1,-53-52 0,106 88-1,-53-54 1,17-105-1,-17 0 1,0-35 15,35-18-15,17-35 0,36-141-1,0 158 1,18 53-1,17 106 1,18 18 0,0-18-1,18 18 1,35-88 0,-54 88-1,19 35 1,88-159-1,0-35 1,105-17 15,36 52-15,-212 159 0,-35-18-1,53-17 1,-53 18-1,17 17 1,1-35 0,0 17-1,-19 18 1,107-17 0,53-19-1,88-34 1,-71 52-1,36-17 1,-18-18 15,70-35-15,1 53 0,-72 0-1,1 35 1,141-71-1,-141 36 1,-70 0 0,-54 35-1,71-17 1,36-19 0,17 19-1,141-71 1,-141 70-1,17-70 1,-87 70 15,140-158-15,-17-53 0,-88 123-1,35-70 1,-124 123-1,-35 0 1,-17 0 0,-1-70-1,18-89 1,1 18 0,-19 71-1,1 123 1,-36-70-1,-17 70 1,-1 0 0,-17 0 15,0 18-15,0 17-1,-17-35 1,-1 0-1,0 36 1,1 17 62,17-36 47,0 19-109,0-1-16,0 0 15,0 1 1,0-54 0,0 36-1,0-18 1,0 18 0</inkml:trace>
+  <inkml:trace contextRef="#ctx0" brushRef="#br0" timeOffset="15109.27">28822 3298 0,'18'0'78,"-1"0"0,18-35-46,54-18-32,-36 0 15,246-352 1,-69 140-1,-142 177 1,-17 17 0,-54 36-1,36 35 142,53 124-157,-18 17 15,36 158 1,87 284-1,-140-354 1,-18-53-16,-18 1 16,53 228-1,-88-158 17,0-35-17,0-53 1,-17-36-1,-19-35 1,19-17 0,-19-18-1,1 0 1,-35 17 0,-1 1-1,18-36 1,-35 0-1,17-17 1,1-18 0,-18-70-1,-54-89 1,-69-229 15,140 264-15,1 1-1,-1 17 1,53 35 0,-17-17-1,0-35 1,17-18 0,18 17-1,18 89 1,35-36-1,0 18 1,17-17 0,107-18-1,-107 35 17,18 0-17,-17 35 1,-18-17-1,17 0 1,19-1 0,52-34-1,-53 34 1,-70 36 15,-1-17-15,54-18-1,-36-1-15,18 1 16</inkml:trace>
+  <inkml:trace contextRef="#ctx0" brushRef="#br0" timeOffset="17565.02">31485 4233 0,'0'0'0,"-70"-53"16,35 18 15,17 35 172,0 0-203,-17 71 16,-36 35 0,19-54-1,52-34 1,0 17 31,0 1-32,17-19 1,1 1 31,-1-18-31,-17 18-1,124-1 1,-106-17-1,-1 0 48,-17-17-32,18-19-31,-18 19 16,0-19-1,-18-34 1,18 35 0,-17-1-1,17 19 17,-18-1-17,0-17 1,18-1-1,36 54 110,-19 17-109,1 1-16,17-1 16,0 0-16,1 18 15,-19-18 1,1 1 15,0-1-15,-1 0-1,19 0 1,-1 18 0,0-35 15,-35 0 0,0-36 63,35-35-78,-17 0-16,-18-70 31,0 70-16,0 35 1,18 18 125,-1 0-141,19 35 15,-1 1-15,18 17 16,17 17 0,1 18 15,-1-17-16,-34-36 1,-1 0 0,-17-35-1,-18 18 1,17 0 0,1-18-1,-18 17 16,18-17 110,17-123-141,0 52 16,36-52-1,-18 52 1,-36 18 0,1 36-1,17-1 1,-35 1-16,18-1 15,-1 18 1,1-18 0,0 1-1,-1 17 48,1 0 31,88 17-79,-36 1-15</inkml:trace>
+  <inkml:trace contextRef="#ctx0" brushRef="#br0" timeOffset="18960.43">33337 4269 0,'0'0'0,"0"-18"0,-17 18 15,-36-71 1,18 54 0,17-19 15,0 36 63,-17 0-79,-71 36-15,53 17 16,18-18-1,0-17 1,35 17 0,-53 18-1,35-18-15,18 18 16,0 53 0,18-53 15,0 0-16,-18 0 1,35 52 0,18-34-1,0 0 1,-53-54 0,17-17-1,1 0 95,17-17-95,0-54-15,54-194 31,-1 18-15,-35 71 0,-36 141-16,1-1 15,-18 19 1,35 34 125,-17 1-141,17 0 15,-35 17-15,36 89 31,16 52-15,-34-88 0,0-17-1,-1-1 1,19-17 0,-19 0-1,-17 0 1,36 0-1,-1-18 1,-18 0 0,19-35-1,-36 18 1</inkml:trace>
+  <inkml:trace contextRef="#ctx0" brushRef="#br0" timeOffset="21958.19">24571 1676 0,'0'-18'47,"18"18"15,-18-18-30,141-140-17,406-407 17,-195 336-17,-158 123 1,-105 71-1,34-36 1,-35 36 0,406-106-1,71 53 1,34-18 0,-123 18 15,-158 70-31,-212 18 31,-71 0-31,-17 0 16,52 0-1,36 0 1,106 0 0,35 35-1,-18 36 1,89 35-1,-177-36 1,35 18 0,53 1-1,-52 34 1,-71-52 0,17 52 15,-35-70-31,159 229 31,-106-70-15,-70-106-1,-18-18 1,-18 0 0,36 53-1,-1 89 1,-70-107-1,71 159 1,-71-176 0,0-53-1,0 0 1,0 35 0,70 124 15,-17-18-16,18 17 1,-18 54 0,0-106-1,-53-106 1,17 0 0,-17-36-1,0 1 16,0 0 1,18-1-32,-18 1 15,-35-53 48,-18-89-63</inkml:trace>
+  <inkml:trace contextRef="#ctx0" brushRef="#br0" timeOffset="22991.15">31556 3298 0,'18'18'31,"17"35"-31,0 35 15,0-17-15,1 35 16,-1-53-16,0-18 16,53 88-1,36 18 17,-89-70-17,-17-36 1,17 36 15,-35-54-15,18 1-16,-1 0 15,-17-1 17,18-52 155,53-88-187,-36 52 16,18-88-1,17-70 1,-34 123 0,17-70-1,17-71 1,-35 123-16,1 1 15,17-36 1,-53 141 0,17 18 31,-17-88 15,18 53-62</inkml:trace>
+  <inkml:trace contextRef="#ctx0" brushRef="#br0" timeOffset="28294.04">11677 4780 0,'106'0'125,"17"18"-109,1-1-16,-1 1 15,106 70 1,-123-35 15,-53-53-15,0 35 15,18 18-15,-1 18-1,1-1 1,-18-34-1,0 34 1,17-17 0,18 53-1,-17-53 1,-18 35 0,0 0-1,17 71 1,36 70-1,-71-176 1,36 36 15,-36-37-31,18 1 16,18 36 0,-18-19-1,-18 1 1,-17-1-1,70 89 1,-18-71 0,-34-17-1,-19-54 1,-17-34 125,-35-19-141</inkml:trace>
+  <inkml:trace contextRef="#ctx0" brushRef="#br0" timeOffset="29269.05">13458 6685 0,'0'18'31,"18"17"-31,0-17 15,17 17-15,0 0 16,-17 1-16,17-19 16,53 89 15,54 17 0,-107-70-15,0-17-16,36 34 15,-18-17 1,17 0 0,-70-88 124,18-124-140,35-35 0</inkml:trace>
+  <inkml:trace contextRef="#ctx0" brushRef="#br0" timeOffset="30165.15">14764 5380 0,'-18'70'15,"-17"54"1,0-18-16,-18 17 16,17 1-16,1-1 0,-18 71 15,18-53 1,-18 18-16,-71 194 31,-52 70 0,123-317-15,0 17 0,-17-34-1,-1-19 1,18 1-1,0-1 1,36-52 0,-1 0-1,18-1 1</inkml:trace>
+  <inkml:trace contextRef="#ctx0" brushRef="#br0" timeOffset="37206.62">22560 5891 0,'0'-17'94,"-35"-1"-63,0-17-31,-36 0 16,-264-142 15,194 124-15,-36 0-1,72 18 1,34 17 15,-70 1-15,0 17-1,17 0-15,1 0 16,-124 17 0,88 19-1,36-19 1,-18 36 0,35-17-1,-18 34 1,-17 1-1,-53 34 1,88-52 0,-52 0-1,-72 35 1,1-17 0,53 35 15,123-36-16,0-17 1,0 0 0,17 0-1,-34 53 1,-1 17 0,1 19-1,-36 34 1,71-88-1,17 0 1,18 53 0,18 89-1,17-36 1,18 0 0,53-18 15,-89-158-16,1 0 48,-18-1-63,35 18 16,-35-17-1,18-18 1,0 35-16,52 18 15,-17-35 1,35 35 0,-35-36-1,0 19 1,0-36 0,-18 17 15,71 1-16,141 70 1,88 0 0,0-35-1,-52-17 1,-37-36 0,-157 0-1,34 0 1,54 0-1,87-18 1,159 18 0,36-35-1,-36 17 1,-317 18 0,-70 0 15,-19 0 0,195-18-15,141-35-1,17-35 1,36-18 0,-336 89-1,-17-1-15,0-17 16,35-18-1,142-18 1,122-34 0,-52 16-1,-53 54 1,53-71 15,-229 71-31,-1-36 31,-35 54-15,18-54 0,0 18-1,71-88 1,52-53 0,-105 71-1,17-36 1,-18 106-1,-17-17 1,-35-19 0,35-158-1,-53-52 1,0 34 0,0 36 15,-18 140-16,-35 1 1,-17-53 0,-54-53-1,-17-18 1,0 89 0,0 35-1,-88 17 1,-18-17-1,-71 0 1,-140-18 0,105 106-1,53 0 1,0 0 0,-35 35 15,70 18-16,-52-18 1,70 36 0,106-18-1,88-18 1,35-35 0,-35 53-1,-52 18 1,-37-1-1,-87 1 1,-159 52 0,300-52-1,53-54 1</inkml:trace>
+  <inkml:trace contextRef="#ctx0" brushRef="#br0" timeOffset="39178.12">33143 8255 0,'0'-18'109,"0"1"-78,-317-266-15,-565-352 15,265 195-15,299 298 0,54 37 15,17 16-16,-18 19 1,-35-18 0,18 17-1,35 53 1,124 1 0,87 17-1,36-18 1,-17 18 15,-36 0-15,-371 71-1,-105-54 1,-35 89 0,35-53-1,352-53 1,-123 18-1,247 17 1,36-35 109</inkml:trace>
+  <inkml:trace contextRef="#ctx0" brushRef="#br0" timeOffset="40288.99">26776 5592 0,'0'17'93,"-35"36"-93,-1 0 16,1 0 0,-106 123-1,88-88-15,-141 107 16,35-1 0,18-36-1,-18 1 1,53-35-1,18-54 1,159-35 250,17 1-251,71 17-15,0 17 16,17-35-16,-17 18 16,-1-35-16,-34 17 15,-54-17-15,-34-18 16,-19 0-16,-17 17 187,0 1-155</inkml:trace>
+  <inkml:trace contextRef="#ctx0" brushRef="#br0" timeOffset="41997.56">30198 8114 0,'0'-18'157,"-88"-17"-157,-159-89 31,141 72-15,71 34-16,17 0 15,-17-17-15,-1 17 16,1 1-16,17 17 15,1 0-15,-1 0 16,-17 35 78,0 0-94,17-17 15,18 0 1,-35 17 0,17 35-1,0-34 1,18 17 0,0 0-1,0 52 1,53-16-1,-17-19-15,-19-17 16,124 123 0,-70-123-1,-18 0 1,17-17 0,-17-19-1,18 1 16,-54-1-15,19-17 0,-19 18-1,1-18 63,-18 18-62,18-18-16,-18 35 16,17 53-1,-17-35 1,-17-18 0,-36 36-1,-53-18 1,-18 17 15,-70 1-15,-194 35-1,177-71 1,158-17 0,-18-18-1,18-36 1,0 1-1,36 35-15,-1-17 16,-17-19 0,17 19-1,1-1 1,17 0 93,0 1-93,0-19 0,176-193-1,89-18 1,52 35-1,-52 89 1,-142 52-16</inkml:trace>
+  <inkml:trace contextRef="#ctx0" brushRef="#br0" timeOffset="44381.36">30921 8661 0,'0'0'0,"-35"17"15,-89 54 17,-17-18-1,88-36-16,36-17 1,-1 0 62,0 0-78,-17-17 16,0-1-16,-1 1 15,1-1 17,0 0-17,17 18 1,1 0 15,-1 0-31,-35 0 16,35 0-1,-17 0 1,17 0 0,1 36-1,-18 34 1,-1 18 0,19 53-1,-1 18 1,53-88-1,1-18 17,16 17-17,-34-52 1,0-1 0,-1-17-1,1-17 1,0-18-1,17-54 1,36 1 0,-54 35-16,18-17 15,54-71 1,-54 105 0,-35 19-1,0-36 1,35 0-1,0-18 17,-17 71 46,0 0-63,-1 18-15,1 0 16,17 17 0,1 18-1,-1 0 1,-35-18-16,35 35 16,0-17-1,-17 18 1,0-53 15,-18-1-15,0 1-1,0-71 110,0 35-125,0-17 16,0 17 0,0 1-16,0-19 15,0 1 1,0 18-1,0-1 17,17 18 30,1 0-46,0-35 15,-1 17-31,1 18 94,0 18-94,-1-1 15,18 1-15,36 52 32,-36 1-17,1 17-15,16 0 16,-16-17 0,-19-18-1,19 0 1,-36-36-1,0 19 1,0-107 93,35-88-93,0 18-16,71 0 16,-35 35-1,-1 18 1,1 18 0,-18 17-1,-36 0 1,1 53 31,0 0 62,-1 0-93,54-18-16,17 0 15</inkml:trace>
+  <inkml:trace contextRef="#ctx0" brushRef="#br0" timeOffset="45161.8">32491 8819 0,'0'0'0,"17"36"0,36 17 15,-35-18 1,-18-17 0,35-54 62,-17 36-78,-18-17 15,0-1 1,-35 18 125,17 0-141,-17 0 0,-1 35 15,-16 18 1,-54 18 15,70-36-31,19 0 31,17 18-15,0 0 0,-18 18-1,18-1 1,0 1-1,0-18 1,35 0 0,18 0-1,-35-18 1,35-35 0,-35 17-1,-1-17 1,1 0 31,-18-17-32,53-36 1</inkml:trace>
+  <inkml:trace contextRef="#ctx0" brushRef="#br0" timeOffset="46850.01">29810 10954 0,'0'35'94,"0"-17"-94,0 70 31,-36-35-15,19 0-1,-1-53 1,-17-71 109,-18-123-109,18 18-1,35-177 1,-18 53 0,89 18-1,-18 194 1,17-1-1,-17 54 1,0-35 0,53 17-1,35-18 1,88 36 0,0 35-1,-17 0 1,-88 35-1,-71 18 1,-18-18 15,0 36-15,0 88 0,-35-1-1,-88 36 1,-18-35-1,-70-88 1,-71 35 0,-141 52-1,264-105 1,54-35 0,35-18-1,35 18 173,17 17-173,1 0-15,52 18 16,1 0 0,-18-18-1,17 18 1,-34-18-1,-1 1 1,-17-36 0,-1 35 15,1-35-15,-18 18 46,35-18 47,1-18-93</inkml:trace>
+  <inkml:trace contextRef="#ctx0" brushRef="#br0" timeOffset="52042.43">19209 13053 0,'0'-18'63,"53"18"30,88 71-77,370 87 15,-176-69-15,124 16-1,-335-87 1,175 88 0,-52-18-1,88-53 1,54 36 0,-160-53-16,-18-18 15,213-18 1,-36-17-1,-353 35 1,-35-18 15,18 18 1,17-18-17,106-17 1,-53 0-16,177-53 15,-18-1 1,17 1 0,-140 53-1,-71 35 1,-18-18 0,-17 18 15,17-17-16,371-71 1,-106-1 0,17 1-1,-105 18 17,-142 52-17,-52 18 1,17-18-16,53-17 31,89-18-15,-54 18-1,-70 17 1,-35 18 0,0 0-1,105-35 1,89 0-1,35-18 1,17 0 0,1-35-1,-230 88 17,0 0-17,1-18 1,105-53-1,141-17 1,0 0 0,-17 0-1,-89-18 1,18 18 0,35-89-1,-52 54 1,17-53-1,-18-36 1,-70 71 0,0 0-16,159-247 31,-124 194-15,-53 35-1,35-88 1,-17 53-1,-35 17 1,35-34 0,-54 87-1,-34-17 1,-18 0 0,0 0-1,-70 18 1,-1-1-1,0 36 1,1 17 0,-18 1-1,17 17 17,-17 0-17,-36-18 1,-105-17-1,-212-35 1,18 17 0,-159-71-1,-53 19 1,-53 34 0,-35-17-1,123 71 1,71-19-1,-159 19 1,106 70 0,105 0-1,107 17 17,35 36-17,-53 36 1,141-37-1,0-16 1,0 34 0,0-34-1,0 52 1,-17-18 0,-195 19-1,212-37 1,-35 19-1,-106-18 1,-141 35 0,141 0-1,17 1 17,89-1-17,-124 0 1,124 0-1,-88 36 1,-71-36 0,105 0-1,231-53 1,69 124 78,-17 17-94,-17 18 15,17-17-15,-35 193 32,0 18-17,17-88 1,53-53-1,36-18 1,17-17 0,18 0-1,-18-106-15,36 70 16,0-35 0,17 53-1,18-35 1,70 17-1,124 212 1,-194-282 0,194 194-1,-124-177 17,-53-34-17,36-1 1,88 18-1,71-1 1,17-16 0,106 34-1,-194-70 1,-89-18 0,-69-17-1,-1 17 1,317 89-1,-210-107 1,-19 19-16,141-19 16,-87-17 15,-195-17-15,-17 17-1,70-18 32,176-53-31,54-52-1,423-265 1,-194 35 0</inkml:trace>
+  <inkml:trace contextRef="#ctx0" brushRef="#br0" timeOffset="53612.25">27076 9666 0,'35'-141'156,"18"-18"-156,53-17 16,35-53-16,-18 17 15,1-35-15,-1-18 16,18 18-16,18-35 16,-18 35-16,-17 53 15,-1 0-15,177-335 31,247-582 1,-371 670-17,-35 17 1,0-17 0,-35-52 15,-18 52-16,54-53 1,-72 247 0,-17 106-1,-18 70 1,-35 53 218</inkml:trace>
+  <inkml:trace contextRef="#ctx0" brushRef="#br0" timeOffset="54525.07">29651 1446 0,'106'71'110,"53"35"-110,-18 0 15,-18-53-15,177 70 31,-212-52 1,-70-71-17,-18 17 1,17 1 15,-17-1-15,0 36-1,0 36 1,0-37 0,-17 37-1,-36-1 1,-35 53 0,17-70-1,36 52 1,-18-35-1,-18 36 1,1 70 0,17-53-16,-71 106 15,36 17 1,18-17 0,-18-70 15,70-107-16,0-70 1,1 0 0,-19 0-1,1 0-15</inkml:trace>
+  <inkml:trace contextRef="#ctx0" brushRef="#br0" timeOffset="57375.67">10936 16016 0,'18'0'16,"17"0"15,-17 0 0,-1 0-15,19 0 0,140-70-1,-17-72 1,88-122-1,53-89 1,-212 194 0,-18 106-1,-17-17 1,-53 35 0,18 17 15,-1 0-31,-17-17 15,0 17 1,0 1 0,0-1 31,18 36 46,-18 140-93,-18 54 16,-34 35-16,-37 124 16,1-19 15,18-87-16,17-106 1,17-106-16,-34 52 16,-1-16-1,18-1 1,0-53 0,36 0-1,-1-35 1,1 18-1,-36 53 1,-194 34 0,141-34-1,71-53 1,17-18 0,0 0 62,1 0-63,-19-18-15,1-17 16,-18-36 0,0 18-1,36 0 1,17 36-16,0-1 15,0-35 1,70-18 0,54-17-1,105-18 1,18 18 0,-53-18 15,-18 54-16,54 34 1,-36 0 0,-124 18-1,-52 0 79,35 0-94,0-35 16,17 0-16</inkml:trace>
+  <inkml:trace contextRef="#ctx0" brushRef="#br0" timeOffset="59104.54">12771 16175 0,'0'0'0,"-36"17"0,-17 54 31,-17 0-16,17-18 1,18-18-16,-1-18 0,1 1 16,17 17-16,-52 54 31,35-54-31,-18 88 31,53-52-15,0-36-1,0 0 1,0 18 0,35 0-1,18-17 1,0-36 0,53-53 15,-18-18-16,-35-17 1,53-71 0,-54 53-1,-34 53 1,0-17 0,-18 17-1,0 18 1,0 17-1,17 18 110,-17 18-109,0 17 0,18 88-1,-18 18 1,18-52 0,-1-19-1,-17-52 1,18-36 93,0-17-93,-1-18-16,-17 35 15,18-87 1,-18 52 0,0 0-1,0 35 1,17-52 0,-17 52-1,18 18 79,0 0-94,17 106 16,0-53-16,18 52 15,0-52 1,-18 0 15,-17-53-15,-18 18-1,18-89 95,-1 18-110,19-17 15,-1-18-15,0 35 16,18-35 0,-53 52-1</inkml:trace>
+  <inkml:trace contextRef="#ctx0" brushRef="#br0" timeOffset="60151.67">14076 16245 0,'0'0'0,"0"-17"16,-35 17-16,-89 35 16,54 0-1,34 1-15,-34-1 16,34 18-16,-17-18 15,18 0-15,0-17 16,17 0-16,18-1 31,18 124 1,-18-105-32,35 17 15,-17 17 1,35-35-1,-36 18 1,1-35 0,-18 0-1,18-18 48,17-36-48,18-17 1,0-17 0,0-54-1,-18 19 1,-35 16 0,18 36-1,-18 36 1,17 17 62,1 17-47,0 19-31,-1 17 31,18 52-15,-35-34 0,0-18-1,0 17 1,0-17 0</inkml:trace>
+  <inkml:trace contextRef="#ctx0" brushRef="#br0" timeOffset="61724.17">15787 16369 0,'-18'0'31,"1"-18"16,-19 1-31,-52-72-1,-53 54 17,53 17-17,-18 18 1,18 0 0,-53 53-1,88-17-15,0-1 16,-53 18 15,35 17-15,18-17-1,-17 18 1,17-1 0,-18 72-1,-17 52 1,53-18-1,17-88 1,18-17 0,0-18-1,0-18 1,0 0 0,18-17 15,35-1-31,35 1 15,141-53 17,124-71-17,0 0 1,-88 36 0,-230 17-1,-18 53 1,-17-18 62,18 18-62,-18-18-16,0 1 15,35-18 1,1-54-1,-1 54-15</inkml:trace>
+  <inkml:trace contextRef="#ctx0" brushRef="#br0" timeOffset="62655.36">16122 16633 0,'-35'36'46,"-1"-1"-30,19-17 0,-54 70-1,36-35-15,0 0 16,17 0 0,-35 17-1,53-35 1,-18 36-1,18-36 1,0-17 0,0 0-1,0-1 17,18-17-1,35-17-31,229-107 15,-194 71 17,-35 0-17,-53 36 1,36-1 0,17-35-1,-1-18 1,-16 19-1,-19-19 1,1 18 0,-18 0-1,-18-35 1,18 70 0,-17 18-1,-1 0 1,0 18 109,1 0-94,17-1-15,-18 1-16,18 17 15,0 0-15</inkml:trace>
+  <inkml:trace contextRef="#ctx0" brushRef="#br0" timeOffset="63851.28">17039 16739 0,'0'36'31,"0"16"-31,-106 372 47,89-371-31,-1-18-16,0 0 16,1-52 62,-19-160-78,19 36 15,17 71-15,0 52 16,0-70 0,0 35-1,0 35 1,17 18-1,1 0 79,0 0-78,17 18-16,0-1 15,-17 19 1,35 17 0,53 88-1,-53-88 1,-53-18 0,17-35-1,-17-35 63,0-89-62,18 54-16,17-1 16,0 1-1,36-19 1,-18 36-1,-18 53 1,36 0 0,-18 0-1,0 18 1,0 53 0,17-18-1,-17 35 1,53 18-1,-106-53 1,35-1 15,-17 1-15,-18 0 0,0 18-1,0-54 1</inkml:trace>
+  <inkml:trace contextRef="#ctx0" brushRef="#br0" timeOffset="64982.71">18097 17022 0,'18'0'31,"0"35"-15,-1 0 0,-17 18-1,-17-88 95,17-18-110,0 18 15,0-1 1,0 1 0,17 0-1,-17 17 1,18 18-1,0 0 1,35 0 0,17-18-1,18 18 1,-35 18 0,18 35-1,-36-18 1,0 1-16,1 16 15,17 19 1,-36-18 15,-17-18-15,0-17 0,-17-106 46,-1-36-46,18 36-16,18 35 15,17-35 1,18 53 0,-36 17-1,1 0 1,0 18-1,-1 0 1,1 0 31,17 0-31,71 88-1,-35 1 1,-18-19-1,-1-34 1,-52-19 0,18-17 77,-18-17-77,18 17-16</inkml:trace>
+  <inkml:trace contextRef="#ctx0" brushRef="#br0" timeOffset="66541.45">19350 16581 0,'0'0'0,"-71"0"15,36 35-15,-71-18 0,71 19 16,-18-19-16,18 1 16,17 0-16,0-1 31,18 1-31,-35 35 31,-106 159 0,123-124-15,1 0 0,17-35-1,0 0 1,0-18 0,0-17-1,0-1 1,35 19-1,-35-19 1,18-17 15,-1 0-15,-17-17 0,106-89-1,35-53 1,-88 53-1,18 36 1,-36-1 0,-17 18-1,-1 18 1,-17 17 0,0 1-1,18-1 16,0 0-15,-18 1 0,35 17 62,-18 35-63,-17-17-15,36-1 16,17 107 0,0-1-1,-18-35 1,-17-17 0</inkml:trace>
+  <inkml:trace contextRef="#ctx0" brushRef="#br0" timeOffset="67580.66">19738 16810 0,'18'0'15,"-1"0"1,1 17-1,-1 19 1,36 87 15,-53-70-15,0 0 0,0-35-16,0 17 15,0 0 1,0-17-1,0 0 1,-17-36 125,17-53-126,17-17-15,19 0 16,34-53 0,1-36-1,17 89 1,-17 18-1,-71 52 1,17 18-16,1 0 47,-1 0-31,-17 18-1,36-1 1,-1 19-1,0-1 1,18 53 0,35 53-1,-70-70 1,-18-1 0,18-17-1,-18 0 1,0 0-1,0-71 95</inkml:trace>
+  <inkml:trace contextRef="#ctx0" brushRef="#br0" timeOffset="70001.84">21131 16492 0,'0'0'0,"-53"-35"15,36 17 1,-18 18 0,17 0-16,0 0 15,1 0-15,-1 0 63,-17 124-63,-53 176 31,52-124-15,36-52-16,0-54 15,-17 71 1,17-123 15,17-53 125,19-1-156,-1-34 16,71-124 0,-36 17-1,54-175 1,-107 281-1,1 36-15,0-18 16,-18 0 0,17-18 15,-17 54-15,0-1-1,0-17 1,0-36-1,0 54 1,0-1 15,18 0 16,-18 1-31,17-1-16,1 53 140,0 36-140,-1-1 16,-17 107 0,-17-18-1,-19-54 1,19-52 0,-1 36-1,18-37 1,-35 19-1,35 0 1,-18-18 0,18-1 15,0-34-31,0 0 16,0-1 15,0 1 16,18-18 62,17-53-93,18-17-1,88-107-15,53-70 32,-70 88-17,-71 107 1,0-19-1,-18 18 1,18-18 0,-18 54-1,-35-1 48,0 1-48,-18 17 1,1 0 0,-1 0-1,-17 17-15,-36 54 32,18-18-17,-17 17 1,35-17-1,17 18 1,18-36 0,0-17-1,0 17 1,53 35 0,-18-17-1,36 18 1,-18 17-1,-1-53 1,-16 36 0,17 0-1,-18-1 17,-17-17-17,-1 18 1,-17-1-1,-35 18 1,-18-35 0,-53 18-1,-70-1 1,-18 19 0,88-37-1,18-52 1,-36-70-1,36-1 1,53 36 0</inkml:trace>
+  <inkml:trace contextRef="#ctx0" brushRef="#br0" timeOffset="71768.37">13423 15646 0,'-17'0'79,"-1"-36"-64,-35-281 1,-70-689 15,175 548-15,37 105-1,34 36 1,-35 34 15,18 19-15,-71 140-16,71-123 15,-18-17 1,-17 123 0,0 52-1,-36 37 1,18-19 0,0 18-1,52-53 1,125-35-1,17 71 1,-18-19 0,-158 54-1,-54 35 63,36 0-78,0 0 16,0 0 0,-35 0-1,-1 0 79,1-18-78,17-17-16,36-35 15</inkml:trace>
+  <inkml:trace contextRef="#ctx0" brushRef="#br0" timeOffset="72555.14">15205 10336 0,'17'36'62,"19"17"-62,17 17 16,158 159-1,36-17 1,-35-18 0,-71-35-1,-71-89 1,-52-34-1,-18-19 110,0 1-109,-18 17 0,-17 1-16,0 16 15,-194 160 1,-71 88 0,159-159-16,-124 106 15,71-106 1,141-106-1,35-35 1,1 18 62</inkml:trace>
+  <inkml:trace contextRef="#ctx0" brushRef="#br0" timeOffset="73956.7">10566 13141 0,'17'0'62,"1"18"-46,0 70-16,-1 159 31,-17 17 0,0-193-15,0-1 0,0-17-1,0-35 1,-17-18 93,-1-141-93,18 53-16,0 35 16,-18 0-16,1 0 15,-19-141 1,19 53-1,-1 53 1,-17-36 0,0-70-1,17 159 1,0 0 15</inkml:trace>
+  <inkml:trace contextRef="#ctx0" brushRef="#br0" timeOffset="75546.1">9472 12612 0,'0'17'78,"-18"-17"-62,18 36-16,-17-1 16,-1-35-16,18 71 31,0 17 0,18-88 172,-18-18-203,17 0 0,1-17 31,0-18-15,-1 18 0,-17 0-1,18 35 1,-18-36 0,18-16-1,-18 16 1,17 19-1,-17-19 1,0 19 31</inkml:trace>
+  <inkml:trace contextRef="#ctx0" brushRef="#br0" timeOffset="77467.06">10901 13406 0,'0'0'0,"-35"105"16,-1 19-16,-17-1 16,18-17-16,0 0 15,0-53-15,17-18 16,0 0-16,1-17 16,34-159 155,36-35-155,0-18-16,-18 52 16,54-69-1,-37 158 1,-34 18 15,35-1-31,-35 1 31,-1 35-15,1 0 0,35 18-1,0 17 1,-18 36 0,36-19-1,-18 54 1,-1 18-1,-52-89-15,0 71 16,0-89 0,0 89-1,0-70 1,71-125 171,0 19-187,-1-36 16,1 0-16,-1-70 16,1 88-1,-54 17 1,-17 36 15,0-1-31,0 1 31,0 18-31,0-1 16,-17 0 0,-1 1-1,0 17 79,1 17-78,17 19-16,0 34 15,35 54 1,53 52 0,-17-53-1,-18-70 1,-18 18 15,-17-36-15,-1-17-16,1 17 15,-18 0 1,0 18 0,-18 18-1,-35-1 1,-88 36-1,88-53 1,36-53 0,-1 0 31,0 0-32,-17 0-15,-18-35 31,18 17-15,35 1 47,0-19-63,18 1 15,52-124 1,-17 71-16</inkml:trace>
+  <inkml:trace contextRef="#ctx0" brushRef="#br0" timeOffset="78147.87">12524 12629 0,'17'18'31,"-17"17"-15,0 1-16,0 34 15,0 36-15,-17 0 16,-36 0-16,35 17 16,-17 1-16,-53 123 31,-36 105 0,106-299-31,1 18 16,-1-18-1,1 0 1,-1-53 0,-17-36 109,17 36-125,18-17 15,-35-19-15</inkml:trace>
+  <inkml:trace contextRef="#ctx0" brushRef="#br0" timeOffset="78658.44">11853 13511 0,'18'-17'47,"17"17"-32,18 0-15,0 0 16,0 0-16,159 0 31,-107 0 0,-69 0-15</inkml:trace>
+  <inkml:trace contextRef="#ctx0" brushRef="#br0" timeOffset="79361.14">12594 13600 0,'18'0'47,"-1"0"0,1 17-47,0 18 15,-1-17-15,36 88 16,18 70 15,-1-70-15,-52-53-1,0-53 79,-1-35-94,19-18 16,34-35-1,-17 35 1,0-18 0,0 36-1,-35 0 1</inkml:trace>
+  <inkml:trace contextRef="#ctx0" brushRef="#br0" timeOffset="80358.82">13811 13564 0,'-17'0'47,"-1"0"-31,-17 18-16,-71 88 31,-35 17 0,88-70-15,-18 18 0,-17 52-1,18-52 1,34-18 0,19-18-1,-1-17 16,18-1-31,0 1 32,0 17-17,35 0 1,18 18 0,-18-35-1,71 35 1,282-124-1,18-52 1,-106 35 0,-177 52-1,-105 36 1,0-17 46,-18-1-62,0 0 16</inkml:trace>
+  <inkml:trace contextRef="#ctx0" brushRef="#br0" timeOffset="80899.46">14693 13353 0,'0'105'31,"0"1"-15,0 18 0,0-1-16,18 124 15,-18-141 1,0-18-1,0-35 1,0 0 0,0-18-1,-18-52 126</inkml:trace>
+  <inkml:trace contextRef="#ctx0" brushRef="#br0" timeOffset="81262.71">14517 13811 0,'17'0'62,"19"0"-46,-1 0-16,18 18 31,-18-18-15,-17 0 0,17 0-1,18 0 1,0 0-1,17-35 1,54-54 0,-89 72-1</inkml:trace>
+  <inkml:trace contextRef="#ctx0" brushRef="#br0" timeOffset="81654.71">15117 13688 0,'0'0'0,"17"0"0,-17 53 16,0 105-1,0 1 1,0-71 0,0-35-1,0 0 1,0-35 15,35-106 47,1-53-62,17 17-16</inkml:trace>
+  <inkml:trace contextRef="#ctx0" brushRef="#br0" timeOffset="82901.34">15222 13070 0,'-17'18'62,"-1"-18"-62,-35 88 32,36 36-1,17-107-15,0 1 30,17 0-14,-17-1-17,35-17 1,-35 18 0,18-18-1,0 0 79,-18-18-94,0 1 16,0-1 15,0 0-16,0-17-15,17-18 32,-17 0-17,0 36 1,0-19 0,0-17-1,-35 18 1,0-18-1,0 36 1,35-1 0,-18 18-1,0 0 1,1 0 0</inkml:trace>
+  <inkml:trace contextRef="#ctx0" brushRef="#br0" timeOffset="84158.73">15522 13935 0,'0'0'0,"-35"35"16,0 0-16,-1-17 0,19 17 16,-19 0-16,1 1 15,0 17-15,0-36 16,35 19-16,-18-1 16,0-18-16,1 19 15,-19 34 1,19 19 31,17-72-47,0 1 31,0-1-15,0 19-1,35-19 1,0 1-1,1 17 1,17-35 0,35 36-1,-18-36 1,-34-18 0,-1-17-1,-35-1 1,53-34-1,-18 17 17,-17 18-32,-18 17 15,35-70 1,-17 17 0,-1 1-1,1 17 1,-18-18-1,0 36 1,0 0 0,-18 17-1,-35 18 1,53-18 0,-35 18-1</inkml:trace>
+  <inkml:trace contextRef="#ctx0" brushRef="#br0" timeOffset="85099.2">15769 13970 0,'18'35'0,"-1"1"15,19 69 16,34 160 1,-70-212-17,0-18 1,18-88 93,52-211-109,-17 105 16,-17 71 0,-1-53-1,-17 141 1,-1 0 46,18 0-46,1 17-16,-1 1 16,0 52-1,36-17 1,-1 71-1,36 140 17,-18 1-32,1-106 31,-72-36-15,19-70-1,-19-35 1,-17-1 124</inkml:trace>
+  <inkml:trace contextRef="#ctx0" brushRef="#br0" timeOffset="177023.96">9737 15875 0,'0'18'125,"0"-1"-109,0 1 15</inkml:trace>
+  <inkml:trace contextRef="#ctx0" brushRef="#br0" timeOffset="178410.23">7214 19032 0,'-17'0'47</inkml:trace>
+</inkml:ink>
+</file>
+
+<file path=ppt/notesMasters/notesMaster1.xml><?xml version="1.0" encoding="utf-8"?>
+<p:notesMaster xmlns:a="http://schemas.openxmlformats.org/drawingml/2006/main" xmlns:r="http://schemas.openxmlformats.org/officeDocument/2006/relationships" xmlns:p="http://schemas.openxmlformats.org/presentationml/2006/main">
+  <p:cSld>
+    <p:bg>
+      <p:bgRef idx="1001">
+        <a:schemeClr val="bg1"/>
+      </p:bgRef>
+    </p:bg>
+    <p:spTree>
+      <p:nvGrpSpPr>
+        <p:cNvPr id="1" name=""/>
+        <p:cNvGrpSpPr/>
+        <p:nvPr/>
+      </p:nvGrpSpPr>
+      <p:grpSpPr>
+        <a:xfrm>
+          <a:off x="0" y="0"/>
+          <a:ext cx="0" cy="0"/>
+          <a:chOff x="0" y="0"/>
+          <a:chExt cx="0" cy="0"/>
+        </a:xfrm>
+      </p:grpSpPr>
+      <p:sp>
+        <p:nvSpPr>
+          <p:cNvPr id="2" name="Header Placeholder 1"/>
+          <p:cNvSpPr>
+            <a:spLocks noGrp="1"/>
+          </p:cNvSpPr>
+          <p:nvPr>
+            <p:ph type="hdr" sz="quarter"/>
+          </p:nvPr>
+        </p:nvSpPr>
+        <p:spPr>
+          <a:xfrm>
+            <a:off x="0" y="0"/>
+            <a:ext cx="2971800" cy="458788"/>
+          </a:xfrm>
+          <a:prstGeom prst="rect">
+            <a:avLst/>
+          </a:prstGeom>
+        </p:spPr>
+        <p:txBody>
+          <a:bodyPr vert="horz" lIns="91440" tIns="45720" rIns="91440" bIns="45720" rtlCol="0"/>
+          <a:lstStyle>
+            <a:lvl1pPr algn="l">
+              <a:defRPr sz="1200"/>
+            </a:lvl1pPr>
+          </a:lstStyle>
+          <a:p>
+            <a:endParaRPr lang="en-IN"/>
+          </a:p>
+        </p:txBody>
+      </p:sp>
+      <p:sp>
+        <p:nvSpPr>
+          <p:cNvPr id="3" name="Date Placeholder 2"/>
+          <p:cNvSpPr>
+            <a:spLocks noGrp="1"/>
+          </p:cNvSpPr>
+          <p:nvPr>
+            <p:ph type="dt" idx="1"/>
+          </p:nvPr>
+        </p:nvSpPr>
+        <p:spPr>
+          <a:xfrm>
+            <a:off x="3884613" y="0"/>
+            <a:ext cx="2971800" cy="458788"/>
+          </a:xfrm>
+          <a:prstGeom prst="rect">
+            <a:avLst/>
+          </a:prstGeom>
+        </p:spPr>
+        <p:txBody>
+          <a:bodyPr vert="horz" lIns="91440" tIns="45720" rIns="91440" bIns="45720" rtlCol="0"/>
+          <a:lstStyle>
+            <a:lvl1pPr algn="r">
+              <a:defRPr sz="1200"/>
+            </a:lvl1pPr>
+          </a:lstStyle>
+          <a:p>
+            <a:fld id="{B2B1760D-802C-4F15-BCB0-66FDCC025FA6}" type="datetimeFigureOut">
+              <a:rPr lang="en-IN" smtClean="0"/>
+              <a:t>2020/07/16</a:t>
+            </a:fld>
+            <a:endParaRPr lang="en-IN"/>
+          </a:p>
+        </p:txBody>
+      </p:sp>
+      <p:sp>
+        <p:nvSpPr>
+          <p:cNvPr id="4" name="Slide Image Placeholder 3"/>
+          <p:cNvSpPr>
+            <a:spLocks noGrp="1" noRot="1" noChangeAspect="1"/>
+          </p:cNvSpPr>
+          <p:nvPr>
+            <p:ph type="sldImg" idx="2"/>
+          </p:nvPr>
+        </p:nvSpPr>
+        <p:spPr>
+          <a:xfrm>
+            <a:off x="685800" y="1143000"/>
+            <a:ext cx="5486400" cy="3086100"/>
+          </a:xfrm>
+          <a:prstGeom prst="rect">
+            <a:avLst/>
+          </a:prstGeom>
+          <a:noFill/>
+          <a:ln w="12700">
+            <a:solidFill>
+              <a:prstClr val="black"/>
+            </a:solidFill>
+          </a:ln>
+        </p:spPr>
+        <p:txBody>
+          <a:bodyPr vert="horz" lIns="91440" tIns="45720" rIns="91440" bIns="45720" rtlCol="0" anchor="ctr"/>
+          <a:lstStyle/>
+          <a:p>
+            <a:endParaRPr lang="en-IN"/>
+          </a:p>
+        </p:txBody>
+      </p:sp>
+      <p:sp>
+        <p:nvSpPr>
+          <p:cNvPr id="5" name="Notes Placeholder 4"/>
+          <p:cNvSpPr>
+            <a:spLocks noGrp="1"/>
+          </p:cNvSpPr>
+          <p:nvPr>
+            <p:ph type="body" sz="quarter" idx="3"/>
+          </p:nvPr>
+        </p:nvSpPr>
+        <p:spPr>
+          <a:xfrm>
+            <a:off x="685800" y="4400550"/>
+            <a:ext cx="5486400" cy="3600450"/>
+          </a:xfrm>
+          <a:prstGeom prst="rect">
+            <a:avLst/>
+          </a:prstGeom>
+        </p:spPr>
+        <p:txBody>
+          <a:bodyPr vert="horz" lIns="91440" tIns="45720" rIns="91440" bIns="45720" rtlCol="0"/>
+          <a:lstStyle/>
+          <a:p>
+            <a:pPr lvl="0"/>
+            <a:r>
+              <a:rPr lang="en-US"/>
+              <a:t>Click to edit Master text styles</a:t>
+            </a:r>
+          </a:p>
+          <a:p>
+            <a:pPr lvl="1"/>
+            <a:r>
+              <a:rPr lang="en-US"/>
+              <a:t>Second level</a:t>
+            </a:r>
+          </a:p>
+          <a:p>
+            <a:pPr lvl="2"/>
+            <a:r>
+              <a:rPr lang="en-US"/>
+              <a:t>Third level</a:t>
+            </a:r>
+          </a:p>
+          <a:p>
+            <a:pPr lvl="3"/>
+            <a:r>
+              <a:rPr lang="en-US"/>
+              <a:t>Fourth level</a:t>
+            </a:r>
+          </a:p>
+          <a:p>
+            <a:pPr lvl="4"/>
+            <a:r>
+              <a:rPr lang="en-US"/>
+              <a:t>Fifth level</a:t>
+            </a:r>
+            <a:endParaRPr lang="en-IN"/>
+          </a:p>
+        </p:txBody>
+      </p:sp>
+      <p:sp>
+        <p:nvSpPr>
+          <p:cNvPr id="6" name="Footer Placeholder 5"/>
+          <p:cNvSpPr>
+            <a:spLocks noGrp="1"/>
+          </p:cNvSpPr>
+          <p:nvPr>
+            <p:ph type="ftr" sz="quarter" idx="4"/>
+          </p:nvPr>
+        </p:nvSpPr>
+        <p:spPr>
+          <a:xfrm>
+            <a:off x="0" y="8685213"/>
+            <a:ext cx="2971800" cy="458787"/>
+          </a:xfrm>
+          <a:prstGeom prst="rect">
+            <a:avLst/>
+          </a:prstGeom>
+        </p:spPr>
+        <p:txBody>
+          <a:bodyPr vert="horz" lIns="91440" tIns="45720" rIns="91440" bIns="45720" rtlCol="0" anchor="b"/>
+          <a:lstStyle>
+            <a:lvl1pPr algn="l">
+              <a:defRPr sz="1200"/>
+            </a:lvl1pPr>
+          </a:lstStyle>
+          <a:p>
+            <a:endParaRPr lang="en-IN"/>
+          </a:p>
+        </p:txBody>
+      </p:sp>
+      <p:sp>
+        <p:nvSpPr>
+          <p:cNvPr id="7" name="Slide Number Placeholder 6"/>
+          <p:cNvSpPr>
+            <a:spLocks noGrp="1"/>
+          </p:cNvSpPr>
+          <p:nvPr>
+            <p:ph type="sldNum" sz="quarter" idx="5"/>
+          </p:nvPr>
+        </p:nvSpPr>
+        <p:spPr>
+          <a:xfrm>
+            <a:off x="3884613" y="8685213"/>
+            <a:ext cx="2971800" cy="458787"/>
+          </a:xfrm>
+          <a:prstGeom prst="rect">
+            <a:avLst/>
+          </a:prstGeom>
+        </p:spPr>
+        <p:txBody>
+          <a:bodyPr vert="horz" lIns="91440" tIns="45720" rIns="91440" bIns="45720" rtlCol="0" anchor="b"/>
+          <a:lstStyle>
+            <a:lvl1pPr algn="r">
+              <a:defRPr sz="1200"/>
+            </a:lvl1pPr>
+          </a:lstStyle>
+          <a:p>
+            <a:fld id="{67B18596-3A0D-491A-B864-C64DA0879E35}" type="slidenum">
+              <a:rPr lang="en-IN" smtClean="0"/>
+              <a:t>‹#›</a:t>
+            </a:fld>
+            <a:endParaRPr lang="en-IN"/>
+          </a:p>
+        </p:txBody>
+      </p:sp>
+    </p:spTree>
+    <p:extLst>
+      <p:ext uri="{BB962C8B-B14F-4D97-AF65-F5344CB8AC3E}">
+        <p14:creationId xmlns:p14="http://schemas.microsoft.com/office/powerpoint/2010/main" val="4234759254"/>
+      </p:ext>
+    </p:extLst>
+  </p:cSld>
+  <p:clrMap bg1="lt1" tx1="dk1" bg2="lt2" tx2="dk2" accent1="accent1" accent2="accent2" accent3="accent3" accent4="accent4" accent5="accent5" accent6="accent6" hlink="hlink" folHlink="folHlink"/>
+  <p:notesStyle>
+    <a:lvl1pPr marL="0" algn="l" defTabSz="914400" rtl="0" eaLnBrk="1" latinLnBrk="0" hangingPunct="1">
+      <a:defRPr sz="1200" kern="1200">
+        <a:solidFill>
+          <a:schemeClr val="tx1"/>
+        </a:solidFill>
+        <a:latin typeface="+mn-lt"/>
+        <a:ea typeface="+mn-ea"/>
+        <a:cs typeface="+mn-cs"/>
+      </a:defRPr>
+    </a:lvl1pPr>
+    <a:lvl2pPr marL="457200" algn="l" defTabSz="914400" rtl="0" eaLnBrk="1" latinLnBrk="0" hangingPunct="1">
+      <a:defRPr sz="1200" kern="1200">
+        <a:solidFill>
+          <a:schemeClr val="tx1"/>
+        </a:solidFill>
+        <a:latin typeface="+mn-lt"/>
+        <a:ea typeface="+mn-ea"/>
+        <a:cs typeface="+mn-cs"/>
+      </a:defRPr>
+    </a:lvl2pPr>
+    <a:lvl3pPr marL="914400" algn="l" defTabSz="914400" rtl="0" eaLnBrk="1" latinLnBrk="0" hangingPunct="1">
+      <a:defRPr sz="1200" kern="1200">
+        <a:solidFill>
+          <a:schemeClr val="tx1"/>
+        </a:solidFill>
+        <a:latin typeface="+mn-lt"/>
+        <a:ea typeface="+mn-ea"/>
+        <a:cs typeface="+mn-cs"/>
+      </a:defRPr>
+    </a:lvl3pPr>
+    <a:lvl4pPr marL="1371600" algn="l" defTabSz="914400" rtl="0" eaLnBrk="1" latinLnBrk="0" hangingPunct="1">
+      <a:defRPr sz="1200" kern="1200">
+        <a:solidFill>
+          <a:schemeClr val="tx1"/>
+        </a:solidFill>
+        <a:latin typeface="+mn-lt"/>
+        <a:ea typeface="+mn-ea"/>
+        <a:cs typeface="+mn-cs"/>
+      </a:defRPr>
+    </a:lvl4pPr>
+    <a:lvl5pPr marL="1828800" algn="l" defTabSz="914400" rtl="0" eaLnBrk="1" latinLnBrk="0" hangingPunct="1">
+      <a:defRPr sz="1200" kern="1200">
+        <a:solidFill>
+          <a:schemeClr val="tx1"/>
+        </a:solidFill>
+        <a:latin typeface="+mn-lt"/>
+        <a:ea typeface="+mn-ea"/>
+        <a:cs typeface="+mn-cs"/>
+      </a:defRPr>
+    </a:lvl5pPr>
+    <a:lvl6pPr marL="2286000" algn="l" defTabSz="914400" rtl="0" eaLnBrk="1" latinLnBrk="0" hangingPunct="1">
+      <a:defRPr sz="1200" kern="1200">
+        <a:solidFill>
+          <a:schemeClr val="tx1"/>
+        </a:solidFill>
+        <a:latin typeface="+mn-lt"/>
+        <a:ea typeface="+mn-ea"/>
+        <a:cs typeface="+mn-cs"/>
+      </a:defRPr>
+    </a:lvl6pPr>
+    <a:lvl7pPr marL="2743200" algn="l" defTabSz="914400" rtl="0" eaLnBrk="1" latinLnBrk="0" hangingPunct="1">
+      <a:defRPr sz="1200" kern="1200">
+        <a:solidFill>
+          <a:schemeClr val="tx1"/>
+        </a:solidFill>
+        <a:latin typeface="+mn-lt"/>
+        <a:ea typeface="+mn-ea"/>
+        <a:cs typeface="+mn-cs"/>
+      </a:defRPr>
+    </a:lvl7pPr>
+    <a:lvl8pPr marL="3200400" algn="l" defTabSz="914400" rtl="0" eaLnBrk="1" latinLnBrk="0" hangingPunct="1">
+      <a:defRPr sz="1200" kern="1200">
+        <a:solidFill>
+          <a:schemeClr val="tx1"/>
+        </a:solidFill>
+        <a:latin typeface="+mn-lt"/>
+        <a:ea typeface="+mn-ea"/>
+        <a:cs typeface="+mn-cs"/>
+      </a:defRPr>
+    </a:lvl8pPr>
+    <a:lvl9pPr marL="3657600" algn="l" defTabSz="914400" rtl="0" eaLnBrk="1" latinLnBrk="0" hangingPunct="1">
+      <a:defRPr sz="1200" kern="1200">
+        <a:solidFill>
+          <a:schemeClr val="tx1"/>
+        </a:solidFill>
+        <a:latin typeface="+mn-lt"/>
+        <a:ea typeface="+mn-ea"/>
+        <a:cs typeface="+mn-cs"/>
+      </a:defRPr>
+    </a:lvl9pPr>
+  </p:notesStyle>
+</p:notesMaster>
+</file>
+
+<file path=ppt/notesSlides/notesSlide1.xml><?xml version="1.0" encoding="utf-8"?>
+<p:notes xmlns:a="http://schemas.openxmlformats.org/drawingml/2006/main" xmlns:r="http://schemas.openxmlformats.org/officeDocument/2006/relationships" xmlns:p="http://schemas.openxmlformats.org/presentationml/2006/main">
+  <p:cSld>
+    <p:spTree>
+      <p:nvGrpSpPr>
+        <p:cNvPr id="1" name=""/>
+        <p:cNvGrpSpPr/>
+        <p:nvPr/>
+      </p:nvGrpSpPr>
+      <p:grpSpPr>
+        <a:xfrm>
+          <a:off x="0" y="0"/>
+          <a:ext cx="0" cy="0"/>
+          <a:chOff x="0" y="0"/>
+          <a:chExt cx="0" cy="0"/>
+        </a:xfrm>
+      </p:grpSpPr>
+      <p:sp>
+        <p:nvSpPr>
+          <p:cNvPr id="2" name="Slide Image Placeholder 1"/>
+          <p:cNvSpPr>
+            <a:spLocks noGrp="1" noRot="1" noChangeAspect="1"/>
+          </p:cNvSpPr>
+          <p:nvPr>
+            <p:ph type="sldImg"/>
+          </p:nvPr>
+        </p:nvSpPr>
+        <p:spPr/>
+      </p:sp>
+      <p:sp>
+        <p:nvSpPr>
+          <p:cNvPr id="3" name="Notes Placeholder 2"/>
+          <p:cNvSpPr>
+            <a:spLocks noGrp="1"/>
+          </p:cNvSpPr>
+          <p:nvPr>
+            <p:ph type="body" idx="1"/>
+          </p:nvPr>
+        </p:nvSpPr>
+        <p:spPr/>
+        <p:txBody>
+          <a:bodyPr/>
+          <a:lstStyle/>
+          <a:p>
+            <a:endParaRPr lang="en-IN" dirty="0"/>
+          </a:p>
+        </p:txBody>
+      </p:sp>
+      <p:sp>
+        <p:nvSpPr>
+          <p:cNvPr id="4" name="Slide Number Placeholder 3"/>
+          <p:cNvSpPr>
+            <a:spLocks noGrp="1"/>
+          </p:cNvSpPr>
+          <p:nvPr>
+            <p:ph type="sldNum" sz="quarter" idx="5"/>
+          </p:nvPr>
+        </p:nvSpPr>
+        <p:spPr/>
+        <p:txBody>
+          <a:bodyPr/>
+          <a:lstStyle/>
+          <a:p>
+            <a:fld id="{67B18596-3A0D-491A-B864-C64DA0879E35}" type="slidenum">
+              <a:rPr lang="en-IN" smtClean="0"/>
+              <a:t>14</a:t>
+            </a:fld>
+            <a:endParaRPr lang="en-IN"/>
+          </a:p>
+        </p:txBody>
+      </p:sp>
+    </p:spTree>
+    <p:extLst>
+      <p:ext uri="{BB962C8B-B14F-4D97-AF65-F5344CB8AC3E}">
+        <p14:creationId xmlns:p14="http://schemas.microsoft.com/office/powerpoint/2010/main" val="2878369030"/>
+      </p:ext>
+    </p:extLst>
+  </p:cSld>
+  <p:clrMapOvr>
+    <a:masterClrMapping/>
+  </p:clrMapOvr>
+</p:notes>
 </file>
 
 <file path=ppt/slideLayouts/slideLayout1.xml><?xml version="1.0" encoding="utf-8"?>
@@ -6710,7 +7230,7 @@
           <a:lstStyle/>
           <a:p>
             <a:r>
-              <a:rPr lang="en-IN"/>
+              <a:rPr lang="en-IN" dirty="0"/>
               <a:t>History</a:t>
             </a:r>
           </a:p>
@@ -6778,6 +7298,618 @@
     <p:extLst>
       <p:ext uri="{BB962C8B-B14F-4D97-AF65-F5344CB8AC3E}">
         <p14:creationId xmlns:p14="http://schemas.microsoft.com/office/powerpoint/2010/main" val="881924600"/>
+      </p:ext>
+    </p:extLst>
+  </p:cSld>
+  <p:clrMapOvr>
+    <a:masterClrMapping/>
+  </p:clrMapOvr>
+</p:sld>
+</file>
+
+<file path=ppt/slides/slide14.xml><?xml version="1.0" encoding="utf-8"?>
+<p:sld xmlns:a="http://schemas.openxmlformats.org/drawingml/2006/main" xmlns:r="http://schemas.openxmlformats.org/officeDocument/2006/relationships" xmlns:p="http://schemas.openxmlformats.org/presentationml/2006/main">
+  <p:cSld>
+    <p:spTree>
+      <p:nvGrpSpPr>
+        <p:cNvPr id="1" name=""/>
+        <p:cNvGrpSpPr/>
+        <p:nvPr/>
+      </p:nvGrpSpPr>
+      <p:grpSpPr>
+        <a:xfrm>
+          <a:off x="0" y="0"/>
+          <a:ext cx="0" cy="0"/>
+          <a:chOff x="0" y="0"/>
+          <a:chExt cx="0" cy="0"/>
+        </a:xfrm>
+      </p:grpSpPr>
+      <p:sp>
+        <p:nvSpPr>
+          <p:cNvPr id="2" name="Title 1">
+            <a:extLst>
+              <a:ext uri="{FF2B5EF4-FFF2-40B4-BE49-F238E27FC236}">
+                <a16:creationId xmlns:a16="http://schemas.microsoft.com/office/drawing/2014/main" id="{CE5C4462-BB99-4E52-A65F-7B66CF495180}"/>
+              </a:ext>
+            </a:extLst>
+          </p:cNvPr>
+          <p:cNvSpPr>
+            <a:spLocks noGrp="1"/>
+          </p:cNvSpPr>
+          <p:nvPr>
+            <p:ph type="title"/>
+          </p:nvPr>
+        </p:nvSpPr>
+        <p:spPr/>
+        <p:txBody>
+          <a:bodyPr/>
+          <a:lstStyle/>
+          <a:p>
+            <a:endParaRPr lang="en-IN"/>
+          </a:p>
+        </p:txBody>
+      </p:sp>
+      <p:pic>
+        <p:nvPicPr>
+          <p:cNvPr id="5" name="Content Placeholder 4">
+            <a:extLst>
+              <a:ext uri="{FF2B5EF4-FFF2-40B4-BE49-F238E27FC236}">
+                <a16:creationId xmlns:a16="http://schemas.microsoft.com/office/drawing/2014/main" id="{7DEE4CB5-56D5-4432-9D2C-1824C95DB534}"/>
+              </a:ext>
+            </a:extLst>
+          </p:cNvPr>
+          <p:cNvPicPr>
+            <a:picLocks noGrp="1" noChangeAspect="1"/>
+          </p:cNvPicPr>
+          <p:nvPr>
+            <p:ph idx="1"/>
+          </p:nvPr>
+        </p:nvPicPr>
+        <p:blipFill>
+          <a:blip r:embed="rId3">
+            <a:extLst>
+              <a:ext uri="{28A0092B-C50C-407E-A947-70E740481C1C}">
+                <a14:useLocalDpi xmlns:a14="http://schemas.microsoft.com/office/drawing/2010/main" val="0"/>
+              </a:ext>
+            </a:extLst>
+          </a:blip>
+          <a:stretch>
+            <a:fillRect/>
+          </a:stretch>
+        </p:blipFill>
+        <p:spPr>
+          <a:xfrm>
+            <a:off x="0" y="0"/>
+            <a:ext cx="12192000" cy="6858000"/>
+          </a:xfrm>
+        </p:spPr>
+      </p:pic>
+    </p:spTree>
+    <p:extLst>
+      <p:ext uri="{BB962C8B-B14F-4D97-AF65-F5344CB8AC3E}">
+        <p14:creationId xmlns:p14="http://schemas.microsoft.com/office/powerpoint/2010/main" val="1887448442"/>
+      </p:ext>
+    </p:extLst>
+  </p:cSld>
+  <p:clrMapOvr>
+    <a:masterClrMapping/>
+  </p:clrMapOvr>
+</p:sld>
+</file>
+
+<file path=ppt/slides/slide15.xml><?xml version="1.0" encoding="utf-8"?>
+<p:sld xmlns:a="http://schemas.openxmlformats.org/drawingml/2006/main" xmlns:r="http://schemas.openxmlformats.org/officeDocument/2006/relationships" xmlns:p="http://schemas.openxmlformats.org/presentationml/2006/main">
+  <p:cSld>
+    <p:spTree>
+      <p:nvGrpSpPr>
+        <p:cNvPr id="1" name=""/>
+        <p:cNvGrpSpPr/>
+        <p:nvPr/>
+      </p:nvGrpSpPr>
+      <p:grpSpPr>
+        <a:xfrm>
+          <a:off x="0" y="0"/>
+          <a:ext cx="0" cy="0"/>
+          <a:chOff x="0" y="0"/>
+          <a:chExt cx="0" cy="0"/>
+        </a:xfrm>
+      </p:grpSpPr>
+      <p:sp>
+        <p:nvSpPr>
+          <p:cNvPr id="2" name="Title 1">
+            <a:extLst>
+              <a:ext uri="{FF2B5EF4-FFF2-40B4-BE49-F238E27FC236}">
+                <a16:creationId xmlns:a16="http://schemas.microsoft.com/office/drawing/2014/main" id="{F301F8DC-AB7D-4CE2-A847-6D2F94B28A77}"/>
+              </a:ext>
+            </a:extLst>
+          </p:cNvPr>
+          <p:cNvSpPr>
+            <a:spLocks noGrp="1"/>
+          </p:cNvSpPr>
+          <p:nvPr>
+            <p:ph type="title"/>
+          </p:nvPr>
+        </p:nvSpPr>
+        <p:spPr/>
+        <p:txBody>
+          <a:bodyPr/>
+          <a:lstStyle/>
+          <a:p>
+            <a:endParaRPr lang="en-IN"/>
+          </a:p>
+        </p:txBody>
+      </p:sp>
+      <p:pic>
+        <p:nvPicPr>
+          <p:cNvPr id="5" name="Content Placeholder 4">
+            <a:extLst>
+              <a:ext uri="{FF2B5EF4-FFF2-40B4-BE49-F238E27FC236}">
+                <a16:creationId xmlns:a16="http://schemas.microsoft.com/office/drawing/2014/main" id="{E95983CC-576C-4C7B-BA6B-2D66A74EA8A0}"/>
+              </a:ext>
+            </a:extLst>
+          </p:cNvPr>
+          <p:cNvPicPr>
+            <a:picLocks noGrp="1" noChangeAspect="1"/>
+          </p:cNvPicPr>
+          <p:nvPr>
+            <p:ph idx="1"/>
+          </p:nvPr>
+        </p:nvPicPr>
+        <p:blipFill>
+          <a:blip r:embed="rId2">
+            <a:extLst>
+              <a:ext uri="{28A0092B-C50C-407E-A947-70E740481C1C}">
+                <a14:useLocalDpi xmlns:a14="http://schemas.microsoft.com/office/drawing/2010/main" val="0"/>
+              </a:ext>
+            </a:extLst>
+          </a:blip>
+          <a:stretch>
+            <a:fillRect/>
+          </a:stretch>
+        </p:blipFill>
+        <p:spPr>
+          <a:xfrm>
+            <a:off x="0" y="0"/>
+            <a:ext cx="12192000" cy="6858000"/>
+          </a:xfrm>
+        </p:spPr>
+      </p:pic>
+      <mc:AlternateContent xmlns:mc="http://schemas.openxmlformats.org/markup-compatibility/2006">
+        <mc:Choice xmlns:p14="http://schemas.microsoft.com/office/powerpoint/2010/main" Requires="p14">
+          <p:contentPart p14:bwMode="auto" r:id="rId3">
+            <p14:nvContentPartPr>
+              <p14:cNvPr id="6" name="Ink 5">
+                <a:extLst>
+                  <a:ext uri="{FF2B5EF4-FFF2-40B4-BE49-F238E27FC236}">
+                    <a16:creationId xmlns:a16="http://schemas.microsoft.com/office/drawing/2014/main" id="{6CB8660A-4476-4908-AD28-5362F4661D6D}"/>
+                  </a:ext>
+                </a:extLst>
+              </p14:cNvPr>
+              <p14:cNvContentPartPr/>
+              <p14:nvPr/>
+            </p14:nvContentPartPr>
+            <p14:xfrm>
+              <a:off x="146160" y="0"/>
+              <a:ext cx="12027240" cy="6851880"/>
+            </p14:xfrm>
+          </p:contentPart>
+        </mc:Choice>
+        <mc:Fallback>
+          <p:pic>
+            <p:nvPicPr>
+              <p:cNvPr id="6" name="Ink 5">
+                <a:extLst>
+                  <a:ext uri="{FF2B5EF4-FFF2-40B4-BE49-F238E27FC236}">
+                    <a16:creationId xmlns:a16="http://schemas.microsoft.com/office/drawing/2014/main" id="{6CB8660A-4476-4908-AD28-5362F4661D6D}"/>
+                  </a:ext>
+                </a:extLst>
+              </p:cNvPr>
+              <p:cNvPicPr/>
+              <p:nvPr/>
+            </p:nvPicPr>
+            <p:blipFill>
+              <a:blip r:embed="rId4"/>
+              <a:stretch>
+                <a:fillRect/>
+              </a:stretch>
+            </p:blipFill>
+            <p:spPr>
+              <a:xfrm>
+                <a:off x="136800" y="-9360"/>
+                <a:ext cx="12045960" cy="6870600"/>
+              </a:xfrm>
+              <a:prstGeom prst="rect">
+                <a:avLst/>
+              </a:prstGeom>
+            </p:spPr>
+          </p:pic>
+        </mc:Fallback>
+      </mc:AlternateContent>
+    </p:spTree>
+    <p:extLst>
+      <p:ext uri="{BB962C8B-B14F-4D97-AF65-F5344CB8AC3E}">
+        <p14:creationId xmlns:p14="http://schemas.microsoft.com/office/powerpoint/2010/main" val="4094949472"/>
+      </p:ext>
+    </p:extLst>
+  </p:cSld>
+  <p:clrMapOvr>
+    <a:masterClrMapping/>
+  </p:clrMapOvr>
+</p:sld>
+</file>
+
+<file path=ppt/slides/slide16.xml><?xml version="1.0" encoding="utf-8"?>
+<p:sld xmlns:a="http://schemas.openxmlformats.org/drawingml/2006/main" xmlns:r="http://schemas.openxmlformats.org/officeDocument/2006/relationships" xmlns:p="http://schemas.openxmlformats.org/presentationml/2006/main">
+  <p:cSld>
+    <p:spTree>
+      <p:nvGrpSpPr>
+        <p:cNvPr id="1" name=""/>
+        <p:cNvGrpSpPr/>
+        <p:nvPr/>
+      </p:nvGrpSpPr>
+      <p:grpSpPr>
+        <a:xfrm>
+          <a:off x="0" y="0"/>
+          <a:ext cx="0" cy="0"/>
+          <a:chOff x="0" y="0"/>
+          <a:chExt cx="0" cy="0"/>
+        </a:xfrm>
+      </p:grpSpPr>
+      <p:sp>
+        <p:nvSpPr>
+          <p:cNvPr id="2" name="Title 1">
+            <a:extLst>
+              <a:ext uri="{FF2B5EF4-FFF2-40B4-BE49-F238E27FC236}">
+                <a16:creationId xmlns:a16="http://schemas.microsoft.com/office/drawing/2014/main" id="{0F1CEFB0-733D-42A3-8A59-B8310B477DA5}"/>
+              </a:ext>
+            </a:extLst>
+          </p:cNvPr>
+          <p:cNvSpPr>
+            <a:spLocks noGrp="1"/>
+          </p:cNvSpPr>
+          <p:nvPr>
+            <p:ph type="title"/>
+          </p:nvPr>
+        </p:nvSpPr>
+        <p:spPr/>
+        <p:txBody>
+          <a:bodyPr/>
+          <a:lstStyle/>
+          <a:p>
+            <a:r>
+              <a:rPr lang="en-IN" dirty="0"/>
+              <a:t>Hadoop Distributions</a:t>
+            </a:r>
+          </a:p>
+        </p:txBody>
+      </p:sp>
+      <p:sp>
+        <p:nvSpPr>
+          <p:cNvPr id="3" name="Content Placeholder 2">
+            <a:extLst>
+              <a:ext uri="{FF2B5EF4-FFF2-40B4-BE49-F238E27FC236}">
+                <a16:creationId xmlns:a16="http://schemas.microsoft.com/office/drawing/2014/main" id="{CC049C09-1454-48DF-8F53-03DA90BD5519}"/>
+              </a:ext>
+            </a:extLst>
+          </p:cNvPr>
+          <p:cNvSpPr>
+            <a:spLocks noGrp="1"/>
+          </p:cNvSpPr>
+          <p:nvPr>
+            <p:ph idx="1"/>
+          </p:nvPr>
+        </p:nvSpPr>
+        <p:spPr/>
+        <p:txBody>
+          <a:bodyPr/>
+          <a:lstStyle/>
+          <a:p>
+            <a:r>
+              <a:rPr lang="en-IN" dirty="0"/>
+              <a:t>1.0 -&gt; it is suitable only for Java Programmers</a:t>
+            </a:r>
+          </a:p>
+          <a:p>
+            <a:r>
+              <a:rPr lang="en-IN" dirty="0"/>
+              <a:t>2.0 -&gt; API -&gt; user friendliness</a:t>
+            </a:r>
+          </a:p>
+          <a:p>
+            <a:r>
+              <a:rPr lang="en-IN" dirty="0"/>
+              <a:t>3.0</a:t>
+            </a:r>
+          </a:p>
+          <a:p>
+            <a:endParaRPr lang="en-IN" dirty="0"/>
+          </a:p>
+          <a:p>
+            <a:r>
+              <a:rPr lang="en-IN" dirty="0"/>
+              <a:t>Some Software is working on group of computers at the particular time to execute on particular task</a:t>
+            </a:r>
+          </a:p>
+          <a:p>
+            <a:r>
+              <a:rPr lang="en-IN" dirty="0"/>
+              <a:t>Master</a:t>
+            </a:r>
+          </a:p>
+          <a:p>
+            <a:r>
+              <a:rPr lang="en-IN" dirty="0"/>
+              <a:t>Slave</a:t>
+            </a:r>
+          </a:p>
+        </p:txBody>
+      </p:sp>
+    </p:spTree>
+    <p:extLst>
+      <p:ext uri="{BB962C8B-B14F-4D97-AF65-F5344CB8AC3E}">
+        <p14:creationId xmlns:p14="http://schemas.microsoft.com/office/powerpoint/2010/main" val="1880045942"/>
+      </p:ext>
+    </p:extLst>
+  </p:cSld>
+  <p:clrMapOvr>
+    <a:masterClrMapping/>
+  </p:clrMapOvr>
+</p:sld>
+</file>
+
+<file path=ppt/slides/slide17.xml><?xml version="1.0" encoding="utf-8"?>
+<p:sld xmlns:a="http://schemas.openxmlformats.org/drawingml/2006/main" xmlns:r="http://schemas.openxmlformats.org/officeDocument/2006/relationships" xmlns:p="http://schemas.openxmlformats.org/presentationml/2006/main">
+  <p:cSld>
+    <p:spTree>
+      <p:nvGrpSpPr>
+        <p:cNvPr id="1" name=""/>
+        <p:cNvGrpSpPr/>
+        <p:nvPr/>
+      </p:nvGrpSpPr>
+      <p:grpSpPr>
+        <a:xfrm>
+          <a:off x="0" y="0"/>
+          <a:ext cx="0" cy="0"/>
+          <a:chOff x="0" y="0"/>
+          <a:chExt cx="0" cy="0"/>
+        </a:xfrm>
+      </p:grpSpPr>
+      <p:sp>
+        <p:nvSpPr>
+          <p:cNvPr id="2" name="Title 1">
+            <a:extLst>
+              <a:ext uri="{FF2B5EF4-FFF2-40B4-BE49-F238E27FC236}">
+                <a16:creationId xmlns:a16="http://schemas.microsoft.com/office/drawing/2014/main" id="{200F9441-DC74-4A96-B8D0-900F72A91E08}"/>
+              </a:ext>
+            </a:extLst>
+          </p:cNvPr>
+          <p:cNvSpPr>
+            <a:spLocks noGrp="1"/>
+          </p:cNvSpPr>
+          <p:nvPr>
+            <p:ph type="title"/>
+          </p:nvPr>
+        </p:nvSpPr>
+        <p:spPr/>
+        <p:txBody>
+          <a:bodyPr/>
+          <a:lstStyle/>
+          <a:p>
+            <a:r>
+              <a:rPr lang="en-IN" dirty="0"/>
+              <a:t>Hadoop 1.0</a:t>
+            </a:r>
+          </a:p>
+        </p:txBody>
+      </p:sp>
+      <p:sp>
+        <p:nvSpPr>
+          <p:cNvPr id="3" name="Content Placeholder 2">
+            <a:extLst>
+              <a:ext uri="{FF2B5EF4-FFF2-40B4-BE49-F238E27FC236}">
+                <a16:creationId xmlns:a16="http://schemas.microsoft.com/office/drawing/2014/main" id="{B0398329-6ACE-467E-BEB5-D16C14231F90}"/>
+              </a:ext>
+            </a:extLst>
+          </p:cNvPr>
+          <p:cNvSpPr>
+            <a:spLocks noGrp="1"/>
+          </p:cNvSpPr>
+          <p:nvPr>
+            <p:ph idx="1"/>
+          </p:nvPr>
+        </p:nvSpPr>
+        <p:spPr/>
+        <p:txBody>
+          <a:bodyPr/>
+          <a:lstStyle/>
+          <a:p>
+            <a:r>
+              <a:rPr lang="en-IN" dirty="0"/>
+              <a:t>HDFS</a:t>
+            </a:r>
+          </a:p>
+          <a:p>
+            <a:pPr lvl="1"/>
+            <a:r>
+              <a:rPr lang="en-IN" dirty="0"/>
+              <a:t>Name Node(Master)</a:t>
+            </a:r>
+          </a:p>
+          <a:p>
+            <a:pPr lvl="1"/>
+            <a:r>
+              <a:rPr lang="en-IN" dirty="0"/>
+              <a:t>Data Node(Slave)</a:t>
+            </a:r>
+          </a:p>
+          <a:p>
+            <a:pPr lvl="1"/>
+            <a:r>
+              <a:rPr lang="en-IN" dirty="0"/>
+              <a:t>Secondary Name Node(Secondary Master)</a:t>
+            </a:r>
+          </a:p>
+          <a:p>
+            <a:r>
+              <a:rPr lang="en-IN" dirty="0"/>
+              <a:t>MapReduce</a:t>
+            </a:r>
+          </a:p>
+          <a:p>
+            <a:pPr lvl="1"/>
+            <a:r>
+              <a:rPr lang="en-IN" dirty="0"/>
+              <a:t>Job Tracker(Master)</a:t>
+            </a:r>
+          </a:p>
+          <a:p>
+            <a:pPr lvl="1"/>
+            <a:r>
+              <a:rPr lang="en-IN" dirty="0"/>
+              <a:t>Task Tracker (Slave)</a:t>
+            </a:r>
+          </a:p>
+        </p:txBody>
+      </p:sp>
+    </p:spTree>
+    <p:extLst>
+      <p:ext uri="{BB962C8B-B14F-4D97-AF65-F5344CB8AC3E}">
+        <p14:creationId xmlns:p14="http://schemas.microsoft.com/office/powerpoint/2010/main" val="391125665"/>
+      </p:ext>
+    </p:extLst>
+  </p:cSld>
+  <p:clrMapOvr>
+    <a:masterClrMapping/>
+  </p:clrMapOvr>
+</p:sld>
+</file>
+
+<file path=ppt/slides/slide18.xml><?xml version="1.0" encoding="utf-8"?>
+<p:sld xmlns:a="http://schemas.openxmlformats.org/drawingml/2006/main" xmlns:r="http://schemas.openxmlformats.org/officeDocument/2006/relationships" xmlns:p="http://schemas.openxmlformats.org/presentationml/2006/main">
+  <p:cSld>
+    <p:spTree>
+      <p:nvGrpSpPr>
+        <p:cNvPr id="1" name=""/>
+        <p:cNvGrpSpPr/>
+        <p:nvPr/>
+      </p:nvGrpSpPr>
+      <p:grpSpPr>
+        <a:xfrm>
+          <a:off x="0" y="0"/>
+          <a:ext cx="0" cy="0"/>
+          <a:chOff x="0" y="0"/>
+          <a:chExt cx="0" cy="0"/>
+        </a:xfrm>
+      </p:grpSpPr>
+      <p:sp>
+        <p:nvSpPr>
+          <p:cNvPr id="2" name="Title 1">
+            <a:extLst>
+              <a:ext uri="{FF2B5EF4-FFF2-40B4-BE49-F238E27FC236}">
+                <a16:creationId xmlns:a16="http://schemas.microsoft.com/office/drawing/2014/main" id="{200F9441-DC74-4A96-B8D0-900F72A91E08}"/>
+              </a:ext>
+            </a:extLst>
+          </p:cNvPr>
+          <p:cNvSpPr>
+            <a:spLocks noGrp="1"/>
+          </p:cNvSpPr>
+          <p:nvPr>
+            <p:ph type="title"/>
+          </p:nvPr>
+        </p:nvSpPr>
+        <p:spPr/>
+        <p:txBody>
+          <a:bodyPr/>
+          <a:lstStyle/>
+          <a:p>
+            <a:r>
+              <a:rPr lang="en-IN" dirty="0"/>
+              <a:t>Hadoop 2.0</a:t>
+            </a:r>
+          </a:p>
+        </p:txBody>
+      </p:sp>
+      <p:sp>
+        <p:nvSpPr>
+          <p:cNvPr id="3" name="Content Placeholder 2">
+            <a:extLst>
+              <a:ext uri="{FF2B5EF4-FFF2-40B4-BE49-F238E27FC236}">
+                <a16:creationId xmlns:a16="http://schemas.microsoft.com/office/drawing/2014/main" id="{B0398329-6ACE-467E-BEB5-D16C14231F90}"/>
+              </a:ext>
+            </a:extLst>
+          </p:cNvPr>
+          <p:cNvSpPr>
+            <a:spLocks noGrp="1"/>
+          </p:cNvSpPr>
+          <p:nvPr>
+            <p:ph idx="1"/>
+          </p:nvPr>
+        </p:nvSpPr>
+        <p:spPr/>
+        <p:txBody>
+          <a:bodyPr/>
+          <a:lstStyle/>
+          <a:p>
+            <a:r>
+              <a:rPr lang="en-IN" dirty="0"/>
+              <a:t>HDFS</a:t>
+            </a:r>
+          </a:p>
+          <a:p>
+            <a:pPr lvl="1"/>
+            <a:r>
+              <a:rPr lang="en-IN" dirty="0"/>
+              <a:t>Name Node(Master)</a:t>
+            </a:r>
+          </a:p>
+          <a:p>
+            <a:pPr lvl="1"/>
+            <a:r>
+              <a:rPr lang="en-IN" dirty="0"/>
+              <a:t>Data Node (Slave)</a:t>
+            </a:r>
+          </a:p>
+          <a:p>
+            <a:pPr lvl="1"/>
+            <a:r>
+              <a:rPr lang="en-IN" dirty="0"/>
+              <a:t>Secondary Name Node </a:t>
+            </a:r>
+            <a:r>
+              <a:rPr lang="en-IN"/>
+              <a:t>(Secondary Master</a:t>
+            </a:r>
+            <a:r>
+              <a:rPr lang="en-IN" dirty="0"/>
+              <a:t>)</a:t>
+            </a:r>
+          </a:p>
+          <a:p>
+            <a:r>
+              <a:rPr lang="en-IN" dirty="0"/>
+              <a:t>MapReduce</a:t>
+            </a:r>
+          </a:p>
+          <a:p>
+            <a:pPr lvl="1"/>
+            <a:r>
+              <a:rPr lang="en-IN" dirty="0"/>
+              <a:t>Resource Manager (Master)</a:t>
+            </a:r>
+          </a:p>
+          <a:p>
+            <a:pPr lvl="1"/>
+            <a:r>
+              <a:rPr lang="en-IN" dirty="0"/>
+              <a:t>Node Manager (Slave)</a:t>
+            </a:r>
+          </a:p>
+        </p:txBody>
+      </p:sp>
+    </p:spTree>
+    <p:extLst>
+      <p:ext uri="{BB962C8B-B14F-4D97-AF65-F5344CB8AC3E}">
+        <p14:creationId xmlns:p14="http://schemas.microsoft.com/office/powerpoint/2010/main" val="2886001683"/>
       </p:ext>
     </p:extLst>
   </p:cSld>
@@ -7943,4 +9075,299 @@
     </a:ext>
   </a:extLst>
 </a:theme>
+</file>
+
+<file path=ppt/theme/theme2.xml><?xml version="1.0" encoding="utf-8"?>
+<a:theme xmlns:a="http://schemas.openxmlformats.org/drawingml/2006/main" name="Office Theme">
+  <a:themeElements>
+    <a:clrScheme name="Office">
+      <a:dk1>
+        <a:sysClr val="windowText" lastClr="000000"/>
+      </a:dk1>
+      <a:lt1>
+        <a:sysClr val="window" lastClr="FFFFFF"/>
+      </a:lt1>
+      <a:dk2>
+        <a:srgbClr val="44546A"/>
+      </a:dk2>
+      <a:lt2>
+        <a:srgbClr val="E7E6E6"/>
+      </a:lt2>
+      <a:accent1>
+        <a:srgbClr val="4472C4"/>
+      </a:accent1>
+      <a:accent2>
+        <a:srgbClr val="ED7D31"/>
+      </a:accent2>
+      <a:accent3>
+        <a:srgbClr val="A5A5A5"/>
+      </a:accent3>
+      <a:accent4>
+        <a:srgbClr val="FFC000"/>
+      </a:accent4>
+      <a:accent5>
+        <a:srgbClr val="5B9BD5"/>
+      </a:accent5>
+      <a:accent6>
+        <a:srgbClr val="70AD47"/>
+      </a:accent6>
+      <a:hlink>
+        <a:srgbClr val="0563C1"/>
+      </a:hlink>
+      <a:folHlink>
+        <a:srgbClr val="954F72"/>
+      </a:folHlink>
+    </a:clrScheme>
+    <a:fontScheme name="Office">
+      <a:majorFont>
+        <a:latin typeface="Calibri Light" panose="020F0302020204030204"/>
+        <a:ea typeface=""/>
+        <a:cs typeface=""/>
+        <a:font script="Jpan" typeface="游ゴシック Light"/>
+        <a:font script="Hang" typeface="맑은 고딕"/>
+        <a:font script="Hans" typeface="等线 Light"/>
+        <a:font script="Hant" typeface="新細明體"/>
+        <a:font script="Arab" typeface="Times New Roman"/>
+        <a:font script="Hebr" typeface="Times New Roman"/>
+        <a:font script="Thai" typeface="Angsana New"/>
+        <a:font script="Ethi" typeface="Nyala"/>
+        <a:font script="Beng" typeface="Vrinda"/>
+        <a:font script="Gujr" typeface="Shruti"/>
+        <a:font script="Khmr" typeface="MoolBoran"/>
+        <a:font script="Knda" typeface="Tunga"/>
+        <a:font script="Guru" typeface="Raavi"/>
+        <a:font script="Cans" typeface="Euphemia"/>
+        <a:font script="Cher" typeface="Plantagenet Cherokee"/>
+        <a:font script="Yiii" typeface="Microsoft Yi Baiti"/>
+        <a:font script="Tibt" typeface="Microsoft Himalaya"/>
+        <a:font script="Thaa" typeface="MV Boli"/>
+        <a:font script="Deva" typeface="Mangal"/>
+        <a:font script="Telu" typeface="Gautami"/>
+        <a:font script="Taml" typeface="Latha"/>
+        <a:font script="Syrc" typeface="Estrangelo Edessa"/>
+        <a:font script="Orya" typeface="Kalinga"/>
+        <a:font script="Mlym" typeface="Kartika"/>
+        <a:font script="Laoo" typeface="DokChampa"/>
+        <a:font script="Sinh" typeface="Iskoola Pota"/>
+        <a:font script="Mong" typeface="Mongolian Baiti"/>
+        <a:font script="Viet" typeface="Times New Roman"/>
+        <a:font script="Uigh" typeface="Microsoft Uighur"/>
+        <a:font script="Geor" typeface="Sylfaen"/>
+        <a:font script="Armn" typeface="Arial"/>
+        <a:font script="Bugi" typeface="Leelawadee UI"/>
+        <a:font script="Bopo" typeface="Microsoft JhengHei"/>
+        <a:font script="Java" typeface="Javanese Text"/>
+        <a:font script="Lisu" typeface="Segoe UI"/>
+        <a:font script="Mymr" typeface="Myanmar Text"/>
+        <a:font script="Nkoo" typeface="Ebrima"/>
+        <a:font script="Olck" typeface="Nirmala UI"/>
+        <a:font script="Osma" typeface="Ebrima"/>
+        <a:font script="Phag" typeface="Phagspa"/>
+        <a:font script="Syrn" typeface="Estrangelo Edessa"/>
+        <a:font script="Syrj" typeface="Estrangelo Edessa"/>
+        <a:font script="Syre" typeface="Estrangelo Edessa"/>
+        <a:font script="Sora" typeface="Nirmala UI"/>
+        <a:font script="Tale" typeface="Microsoft Tai Le"/>
+        <a:font script="Talu" typeface="Microsoft New Tai Lue"/>
+        <a:font script="Tfng" typeface="Ebrima"/>
+      </a:majorFont>
+      <a:minorFont>
+        <a:latin typeface="Calibri" panose="020F0502020204030204"/>
+        <a:ea typeface=""/>
+        <a:cs typeface=""/>
+        <a:font script="Jpan" typeface="游ゴシック"/>
+        <a:font script="Hang" typeface="맑은 고딕"/>
+        <a:font script="Hans" typeface="等线"/>
+        <a:font script="Hant" typeface="新細明體"/>
+        <a:font script="Arab" typeface="Arial"/>
+        <a:font script="Hebr" typeface="Arial"/>
+        <a:font script="Thai" typeface="Cordia New"/>
+        <a:font script="Ethi" typeface="Nyala"/>
+        <a:font script="Beng" typeface="Vrinda"/>
+        <a:font script="Gujr" typeface="Shruti"/>
+        <a:font script="Khmr" typeface="DaunPenh"/>
+        <a:font script="Knda" typeface="Tunga"/>
+        <a:font script="Guru" typeface="Raavi"/>
+        <a:font script="Cans" typeface="Euphemia"/>
+        <a:font script="Cher" typeface="Plantagenet Cherokee"/>
+        <a:font script="Yiii" typeface="Microsoft Yi Baiti"/>
+        <a:font script="Tibt" typeface="Microsoft Himalaya"/>
+        <a:font script="Thaa" typeface="MV Boli"/>
+        <a:font script="Deva" typeface="Mangal"/>
+        <a:font script="Telu" typeface="Gautami"/>
+        <a:font script="Taml" typeface="Latha"/>
+        <a:font script="Syrc" typeface="Estrangelo Edessa"/>
+        <a:font script="Orya" typeface="Kalinga"/>
+        <a:font script="Mlym" typeface="Kartika"/>
+        <a:font script="Laoo" typeface="DokChampa"/>
+        <a:font script="Sinh" typeface="Iskoola Pota"/>
+        <a:font script="Mong" typeface="Mongolian Baiti"/>
+        <a:font script="Viet" typeface="Arial"/>
+        <a:font script="Uigh" typeface="Microsoft Uighur"/>
+        <a:font script="Geor" typeface="Sylfaen"/>
+        <a:font script="Armn" typeface="Arial"/>
+        <a:font script="Bugi" typeface="Leelawadee UI"/>
+        <a:font script="Bopo" typeface="Microsoft JhengHei"/>
+        <a:font script="Java" typeface="Javanese Text"/>
+        <a:font script="Lisu" typeface="Segoe UI"/>
+        <a:font script="Mymr" typeface="Myanmar Text"/>
+        <a:font script="Nkoo" typeface="Ebrima"/>
+        <a:font script="Olck" typeface="Nirmala UI"/>
+        <a:font script="Osma" typeface="Ebrima"/>
+        <a:font script="Phag" typeface="Phagspa"/>
+        <a:font script="Syrn" typeface="Estrangelo Edessa"/>
+        <a:font script="Syrj" typeface="Estrangelo Edessa"/>
+        <a:font script="Syre" typeface="Estrangelo Edessa"/>
+        <a:font script="Sora" typeface="Nirmala UI"/>
+        <a:font script="Tale" typeface="Microsoft Tai Le"/>
+        <a:font script="Talu" typeface="Microsoft New Tai Lue"/>
+        <a:font script="Tfng" typeface="Ebrima"/>
+      </a:minorFont>
+    </a:fontScheme>
+    <a:fmtScheme name="Office">
+      <a:fillStyleLst>
+        <a:solidFill>
+          <a:schemeClr val="phClr"/>
+        </a:solidFill>
+        <a:gradFill rotWithShape="1">
+          <a:gsLst>
+            <a:gs pos="0">
+              <a:schemeClr val="phClr">
+                <a:lumMod val="110000"/>
+                <a:satMod val="105000"/>
+                <a:tint val="67000"/>
+              </a:schemeClr>
+            </a:gs>
+            <a:gs pos="50000">
+              <a:schemeClr val="phClr">
+                <a:lumMod val="105000"/>
+                <a:satMod val="103000"/>
+                <a:tint val="73000"/>
+              </a:schemeClr>
+            </a:gs>
+            <a:gs pos="100000">
+              <a:schemeClr val="phClr">
+                <a:lumMod val="105000"/>
+                <a:satMod val="109000"/>
+                <a:tint val="81000"/>
+              </a:schemeClr>
+            </a:gs>
+          </a:gsLst>
+          <a:lin ang="5400000" scaled="0"/>
+        </a:gradFill>
+        <a:gradFill rotWithShape="1">
+          <a:gsLst>
+            <a:gs pos="0">
+              <a:schemeClr val="phClr">
+                <a:satMod val="103000"/>
+                <a:lumMod val="102000"/>
+                <a:tint val="94000"/>
+              </a:schemeClr>
+            </a:gs>
+            <a:gs pos="50000">
+              <a:schemeClr val="phClr">
+                <a:satMod val="110000"/>
+                <a:lumMod val="100000"/>
+                <a:shade val="100000"/>
+              </a:schemeClr>
+            </a:gs>
+            <a:gs pos="100000">
+              <a:schemeClr val="phClr">
+                <a:lumMod val="99000"/>
+                <a:satMod val="120000"/>
+                <a:shade val="78000"/>
+              </a:schemeClr>
+            </a:gs>
+          </a:gsLst>
+          <a:lin ang="5400000" scaled="0"/>
+        </a:gradFill>
+      </a:fillStyleLst>
+      <a:lnStyleLst>
+        <a:ln w="6350" cap="flat" cmpd="sng" algn="ctr">
+          <a:solidFill>
+            <a:schemeClr val="phClr"/>
+          </a:solidFill>
+          <a:prstDash val="solid"/>
+          <a:miter lim="800000"/>
+        </a:ln>
+        <a:ln w="12700" cap="flat" cmpd="sng" algn="ctr">
+          <a:solidFill>
+            <a:schemeClr val="phClr"/>
+          </a:solidFill>
+          <a:prstDash val="solid"/>
+          <a:miter lim="800000"/>
+        </a:ln>
+        <a:ln w="19050" cap="flat" cmpd="sng" algn="ctr">
+          <a:solidFill>
+            <a:schemeClr val="phClr"/>
+          </a:solidFill>
+          <a:prstDash val="solid"/>
+          <a:miter lim="800000"/>
+        </a:ln>
+      </a:lnStyleLst>
+      <a:effectStyleLst>
+        <a:effectStyle>
+          <a:effectLst/>
+        </a:effectStyle>
+        <a:effectStyle>
+          <a:effectLst/>
+        </a:effectStyle>
+        <a:effectStyle>
+          <a:effectLst>
+            <a:outerShdw blurRad="57150" dist="19050" dir="5400000" algn="ctr" rotWithShape="0">
+              <a:srgbClr val="000000">
+                <a:alpha val="63000"/>
+              </a:srgbClr>
+            </a:outerShdw>
+          </a:effectLst>
+        </a:effectStyle>
+      </a:effectStyleLst>
+      <a:bgFillStyleLst>
+        <a:solidFill>
+          <a:schemeClr val="phClr"/>
+        </a:solidFill>
+        <a:solidFill>
+          <a:schemeClr val="phClr">
+            <a:tint val="95000"/>
+            <a:satMod val="170000"/>
+          </a:schemeClr>
+        </a:solidFill>
+        <a:gradFill rotWithShape="1">
+          <a:gsLst>
+            <a:gs pos="0">
+              <a:schemeClr val="phClr">
+                <a:tint val="93000"/>
+                <a:satMod val="150000"/>
+                <a:shade val="98000"/>
+                <a:lumMod val="102000"/>
+              </a:schemeClr>
+            </a:gs>
+            <a:gs pos="50000">
+              <a:schemeClr val="phClr">
+                <a:tint val="98000"/>
+                <a:satMod val="130000"/>
+                <a:shade val="90000"/>
+                <a:lumMod val="103000"/>
+              </a:schemeClr>
+            </a:gs>
+            <a:gs pos="100000">
+              <a:schemeClr val="phClr">
+                <a:shade val="63000"/>
+                <a:satMod val="120000"/>
+              </a:schemeClr>
+            </a:gs>
+          </a:gsLst>
+          <a:lin ang="5400000" scaled="0"/>
+        </a:gradFill>
+      </a:bgFillStyleLst>
+    </a:fmtScheme>
+  </a:themeElements>
+  <a:objectDefaults/>
+  <a:extraClrSchemeLst/>
+  <a:extLst>
+    <a:ext uri="{05A4C25C-085E-4340-85A3-A5531E510DB2}">
+      <thm15:themeFamily xmlns:thm15="http://schemas.microsoft.com/office/thememl/2012/main" name="Office Theme" id="{62F939B6-93AF-4DB8-9C6B-D6C7DFDC589F}" vid="{4A3C46E8-61CC-4603-A589-7422A47A8E4A}"/>
+    </a:ext>
+  </a:extLst>
+</a:theme>
 </file>